--- a/docs/charts.pptx
+++ b/docs/charts.pptx
@@ -2,7 +2,7 @@
 <file path=ppt/presentation.xml><?xml version="1.0" encoding="utf-8"?>
 <p:presentation xmlns:a="http://schemas.openxmlformats.org/drawingml/2006/main" xmlns:r="http://schemas.openxmlformats.org/officeDocument/2006/relationships" xmlns:p="http://schemas.openxmlformats.org/presentationml/2006/main" saveSubsetFonts="1">
   <p:sldMasterIdLst>
-    <p:sldMasterId id="2147483648" r:id="rId1"/>
+    <p:sldMasterId id="2147483678" r:id="rId1"/>
   </p:sldMasterIdLst>
   <p:sldIdLst>
     <p:sldId id="256" r:id="rId2"/>
@@ -13,7 +13,7 @@
     <a:defPPr>
       <a:defRPr lang="en-US"/>
     </a:defPPr>
-    <a:lvl1pPr marL="0" algn="l" defTabSz="914400" rtl="0" eaLnBrk="1" latinLnBrk="0" hangingPunct="1">
+    <a:lvl1pPr marL="0" algn="l" defTabSz="914130" rtl="0" eaLnBrk="1" latinLnBrk="0" hangingPunct="1">
       <a:defRPr sz="1800" kern="1200">
         <a:solidFill>
           <a:schemeClr val="tx1"/>
@@ -23,7 +23,7 @@
         <a:cs typeface="+mn-cs"/>
       </a:defRPr>
     </a:lvl1pPr>
-    <a:lvl2pPr marL="457200" algn="l" defTabSz="914400" rtl="0" eaLnBrk="1" latinLnBrk="0" hangingPunct="1">
+    <a:lvl2pPr marL="457066" algn="l" defTabSz="914130" rtl="0" eaLnBrk="1" latinLnBrk="0" hangingPunct="1">
       <a:defRPr sz="1800" kern="1200">
         <a:solidFill>
           <a:schemeClr val="tx1"/>
@@ -33,7 +33,7 @@
         <a:cs typeface="+mn-cs"/>
       </a:defRPr>
     </a:lvl2pPr>
-    <a:lvl3pPr marL="914400" algn="l" defTabSz="914400" rtl="0" eaLnBrk="1" latinLnBrk="0" hangingPunct="1">
+    <a:lvl3pPr marL="914130" algn="l" defTabSz="914130" rtl="0" eaLnBrk="1" latinLnBrk="0" hangingPunct="1">
       <a:defRPr sz="1800" kern="1200">
         <a:solidFill>
           <a:schemeClr val="tx1"/>
@@ -43,7 +43,7 @@
         <a:cs typeface="+mn-cs"/>
       </a:defRPr>
     </a:lvl3pPr>
-    <a:lvl4pPr marL="1371600" algn="l" defTabSz="914400" rtl="0" eaLnBrk="1" latinLnBrk="0" hangingPunct="1">
+    <a:lvl4pPr marL="1371196" algn="l" defTabSz="914130" rtl="0" eaLnBrk="1" latinLnBrk="0" hangingPunct="1">
       <a:defRPr sz="1800" kern="1200">
         <a:solidFill>
           <a:schemeClr val="tx1"/>
@@ -53,7 +53,7 @@
         <a:cs typeface="+mn-cs"/>
       </a:defRPr>
     </a:lvl4pPr>
-    <a:lvl5pPr marL="1828800" algn="l" defTabSz="914400" rtl="0" eaLnBrk="1" latinLnBrk="0" hangingPunct="1">
+    <a:lvl5pPr marL="1828262" algn="l" defTabSz="914130" rtl="0" eaLnBrk="1" latinLnBrk="0" hangingPunct="1">
       <a:defRPr sz="1800" kern="1200">
         <a:solidFill>
           <a:schemeClr val="tx1"/>
@@ -63,7 +63,7 @@
         <a:cs typeface="+mn-cs"/>
       </a:defRPr>
     </a:lvl5pPr>
-    <a:lvl6pPr marL="2286000" algn="l" defTabSz="914400" rtl="0" eaLnBrk="1" latinLnBrk="0" hangingPunct="1">
+    <a:lvl6pPr marL="2285326" algn="l" defTabSz="914130" rtl="0" eaLnBrk="1" latinLnBrk="0" hangingPunct="1">
       <a:defRPr sz="1800" kern="1200">
         <a:solidFill>
           <a:schemeClr val="tx1"/>
@@ -73,7 +73,7 @@
         <a:cs typeface="+mn-cs"/>
       </a:defRPr>
     </a:lvl6pPr>
-    <a:lvl7pPr marL="2743200" algn="l" defTabSz="914400" rtl="0" eaLnBrk="1" latinLnBrk="0" hangingPunct="1">
+    <a:lvl7pPr marL="2742391" algn="l" defTabSz="914130" rtl="0" eaLnBrk="1" latinLnBrk="0" hangingPunct="1">
       <a:defRPr sz="1800" kern="1200">
         <a:solidFill>
           <a:schemeClr val="tx1"/>
@@ -83,7 +83,7 @@
         <a:cs typeface="+mn-cs"/>
       </a:defRPr>
     </a:lvl7pPr>
-    <a:lvl8pPr marL="3200400" algn="l" defTabSz="914400" rtl="0" eaLnBrk="1" latinLnBrk="0" hangingPunct="1">
+    <a:lvl8pPr marL="3199456" algn="l" defTabSz="914130" rtl="0" eaLnBrk="1" latinLnBrk="0" hangingPunct="1">
       <a:defRPr sz="1800" kern="1200">
         <a:solidFill>
           <a:schemeClr val="tx1"/>
@@ -93,7 +93,7 @@
         <a:cs typeface="+mn-cs"/>
       </a:defRPr>
     </a:lvl8pPr>
-    <a:lvl9pPr marL="3657600" algn="l" defTabSz="914400" rtl="0" eaLnBrk="1" latinLnBrk="0" hangingPunct="1">
+    <a:lvl9pPr marL="3656522" algn="l" defTabSz="914130" rtl="0" eaLnBrk="1" latinLnBrk="0" hangingPunct="1">
       <a:defRPr sz="1800" kern="1200">
         <a:solidFill>
           <a:schemeClr val="tx1"/>
@@ -104,6 +104,11 @@
       </a:defRPr>
     </a:lvl9pPr>
   </p:defaultTextStyle>
+  <p:extLst>
+    <p:ext uri="{EFAFB233-063F-42B5-8137-9DF3F51BA10A}">
+      <p15:sldGuideLst xmlns:p15="http://schemas.microsoft.com/office/powerpoint/2012/main"/>
+    </p:ext>
+  </p:extLst>
 </p:presentation>
 </file>
 
@@ -129,7 +134,7 @@
           <p:cNvPr id="2" name="Title 1">
             <a:extLst>
               <a:ext uri="{FF2B5EF4-FFF2-40B4-BE49-F238E27FC236}">
-                <a16:creationId xmlns:a16="http://schemas.microsoft.com/office/drawing/2014/main" id="{C26DDD2C-379B-4C88-9246-9271B2E83F32}"/>
+                <a16:creationId xmlns:a16="http://schemas.microsoft.com/office/drawing/2014/main" id="{D4BB2D2B-5AB7-4B57-9D6F-5866DDBF4FF9}"/>
               </a:ext>
             </a:extLst>
           </p:cNvPr>
@@ -142,8 +147,8 @@
         </p:nvSpPr>
         <p:spPr>
           <a:xfrm>
-            <a:off x="1524000" y="1122363"/>
-            <a:ext cx="9144000" cy="2387600"/>
+            <a:off x="1524001" y="1122365"/>
+            <a:ext cx="9144001" cy="2387600"/>
           </a:xfrm>
         </p:spPr>
         <p:txBody>
@@ -166,7 +171,7 @@
           <p:cNvPr id="3" name="Subtitle 2">
             <a:extLst>
               <a:ext uri="{FF2B5EF4-FFF2-40B4-BE49-F238E27FC236}">
-                <a16:creationId xmlns:a16="http://schemas.microsoft.com/office/drawing/2014/main" id="{6CB78756-83E3-47D2-A63F-E48E0D94F5FF}"/>
+                <a16:creationId xmlns:a16="http://schemas.microsoft.com/office/drawing/2014/main" id="{8C527B6E-7CA9-4557-AD3C-B5FFF5EF820A}"/>
               </a:ext>
             </a:extLst>
           </p:cNvPr>
@@ -179,8 +184,8 @@
         </p:nvSpPr>
         <p:spPr>
           <a:xfrm>
-            <a:off x="1524000" y="3602038"/>
-            <a:ext cx="9144000" cy="1655762"/>
+            <a:off x="1524001" y="3602041"/>
+            <a:ext cx="9144001" cy="1655763"/>
           </a:xfrm>
         </p:spPr>
         <p:txBody>
@@ -190,35 +195,35 @@
               <a:buNone/>
               <a:defRPr sz="2400"/>
             </a:lvl1pPr>
-            <a:lvl2pPr marL="457200" indent="0" algn="ctr">
+            <a:lvl2pPr marL="457185" indent="0" algn="ctr">
               <a:buNone/>
               <a:defRPr sz="2000"/>
             </a:lvl2pPr>
-            <a:lvl3pPr marL="914400" indent="0" algn="ctr">
-              <a:buNone/>
-              <a:defRPr sz="1800"/>
+            <a:lvl3pPr marL="914370" indent="0" algn="ctr">
+              <a:buNone/>
+              <a:defRPr sz="1801"/>
             </a:lvl3pPr>
-            <a:lvl4pPr marL="1371600" indent="0" algn="ctr">
+            <a:lvl4pPr marL="1371555" indent="0" algn="ctr">
               <a:buNone/>
               <a:defRPr sz="1600"/>
             </a:lvl4pPr>
-            <a:lvl5pPr marL="1828800" indent="0" algn="ctr">
+            <a:lvl5pPr marL="1828741" indent="0" algn="ctr">
               <a:buNone/>
               <a:defRPr sz="1600"/>
             </a:lvl5pPr>
-            <a:lvl6pPr marL="2286000" indent="0" algn="ctr">
+            <a:lvl6pPr marL="2285926" indent="0" algn="ctr">
               <a:buNone/>
               <a:defRPr sz="1600"/>
             </a:lvl6pPr>
-            <a:lvl7pPr marL="2743200" indent="0" algn="ctr">
+            <a:lvl7pPr marL="2743111" indent="0" algn="ctr">
               <a:buNone/>
               <a:defRPr sz="1600"/>
             </a:lvl7pPr>
-            <a:lvl8pPr marL="3200400" indent="0" algn="ctr">
+            <a:lvl8pPr marL="3200296" indent="0" algn="ctr">
               <a:buNone/>
               <a:defRPr sz="1600"/>
             </a:lvl8pPr>
-            <a:lvl9pPr marL="3657600" indent="0" algn="ctr">
+            <a:lvl9pPr marL="3657481" indent="0" algn="ctr">
               <a:buNone/>
               <a:defRPr sz="1600"/>
             </a:lvl9pPr>
@@ -236,7 +241,7 @@
           <p:cNvPr id="4" name="Date Placeholder 3">
             <a:extLst>
               <a:ext uri="{FF2B5EF4-FFF2-40B4-BE49-F238E27FC236}">
-                <a16:creationId xmlns:a16="http://schemas.microsoft.com/office/drawing/2014/main" id="{5585D917-06E1-4042-8BB5-9C90D581899D}"/>
+                <a16:creationId xmlns:a16="http://schemas.microsoft.com/office/drawing/2014/main" id="{E9970FB5-E62C-42C4-A712-BED3426ECF36}"/>
               </a:ext>
             </a:extLst>
           </p:cNvPr>
@@ -254,7 +259,7 @@
           <a:p>
             <a:fld id="{58537782-5515-4277-8890-BE805010C87F}" type="datetimeFigureOut">
               <a:rPr lang="en-US" smtClean="0"/>
-              <a:t>3/2/2021</a:t>
+              <a:t>3/3/2021</a:t>
             </a:fld>
             <a:endParaRPr lang="en-US"/>
           </a:p>
@@ -265,7 +270,7 @@
           <p:cNvPr id="5" name="Footer Placeholder 4">
             <a:extLst>
               <a:ext uri="{FF2B5EF4-FFF2-40B4-BE49-F238E27FC236}">
-                <a16:creationId xmlns:a16="http://schemas.microsoft.com/office/drawing/2014/main" id="{9760075C-7BA7-4F99-92A0-7901D049F073}"/>
+                <a16:creationId xmlns:a16="http://schemas.microsoft.com/office/drawing/2014/main" id="{7623C95C-D930-4841-8654-FA7058276767}"/>
               </a:ext>
             </a:extLst>
           </p:cNvPr>
@@ -290,7 +295,7 @@
           <p:cNvPr id="6" name="Slide Number Placeholder 5">
             <a:extLst>
               <a:ext uri="{FF2B5EF4-FFF2-40B4-BE49-F238E27FC236}">
-                <a16:creationId xmlns:a16="http://schemas.microsoft.com/office/drawing/2014/main" id="{2AF3D8F4-1022-4EC3-890C-D60E546B11D6}"/>
+                <a16:creationId xmlns:a16="http://schemas.microsoft.com/office/drawing/2014/main" id="{8A08B224-A14C-4B92-BEEF-24C2DC3043F4}"/>
               </a:ext>
             </a:extLst>
           </p:cNvPr>
@@ -317,7 +322,7 @@
     </p:spTree>
     <p:extLst>
       <p:ext uri="{BB962C8B-B14F-4D97-AF65-F5344CB8AC3E}">
-        <p14:creationId xmlns:p14="http://schemas.microsoft.com/office/powerpoint/2010/main" val="307760796"/>
+        <p14:creationId xmlns:p14="http://schemas.microsoft.com/office/powerpoint/2010/main" val="897191922"/>
       </p:ext>
     </p:extLst>
   </p:cSld>
@@ -349,7 +354,7 @@
           <p:cNvPr id="2" name="Title 1">
             <a:extLst>
               <a:ext uri="{FF2B5EF4-FFF2-40B4-BE49-F238E27FC236}">
-                <a16:creationId xmlns:a16="http://schemas.microsoft.com/office/drawing/2014/main" id="{69357B8B-E5D2-444E-B4D5-B89EBA3A65F3}"/>
+                <a16:creationId xmlns:a16="http://schemas.microsoft.com/office/drawing/2014/main" id="{F58E6D17-A01C-492A-A488-38FFA5E01024}"/>
               </a:ext>
             </a:extLst>
           </p:cNvPr>
@@ -377,7 +382,7 @@
           <p:cNvPr id="3" name="Vertical Text Placeholder 2">
             <a:extLst>
               <a:ext uri="{FF2B5EF4-FFF2-40B4-BE49-F238E27FC236}">
-                <a16:creationId xmlns:a16="http://schemas.microsoft.com/office/drawing/2014/main" id="{3263C13C-EE0E-4E5B-8F4A-9F7E64B11378}"/>
+                <a16:creationId xmlns:a16="http://schemas.microsoft.com/office/drawing/2014/main" id="{BAF5B624-5684-452C-A2B7-29D4C3A1D32B}"/>
               </a:ext>
             </a:extLst>
           </p:cNvPr>
@@ -434,7 +439,7 @@
           <p:cNvPr id="4" name="Date Placeholder 3">
             <a:extLst>
               <a:ext uri="{FF2B5EF4-FFF2-40B4-BE49-F238E27FC236}">
-                <a16:creationId xmlns:a16="http://schemas.microsoft.com/office/drawing/2014/main" id="{51456A44-6D45-4F56-9EDA-89B89D101E75}"/>
+                <a16:creationId xmlns:a16="http://schemas.microsoft.com/office/drawing/2014/main" id="{9725F246-9A7D-4DA9-88A7-80658424ECE4}"/>
               </a:ext>
             </a:extLst>
           </p:cNvPr>
@@ -452,7 +457,7 @@
           <a:p>
             <a:fld id="{58537782-5515-4277-8890-BE805010C87F}" type="datetimeFigureOut">
               <a:rPr lang="en-US" smtClean="0"/>
-              <a:t>3/2/2021</a:t>
+              <a:t>3/3/2021</a:t>
             </a:fld>
             <a:endParaRPr lang="en-US"/>
           </a:p>
@@ -463,7 +468,7 @@
           <p:cNvPr id="5" name="Footer Placeholder 4">
             <a:extLst>
               <a:ext uri="{FF2B5EF4-FFF2-40B4-BE49-F238E27FC236}">
-                <a16:creationId xmlns:a16="http://schemas.microsoft.com/office/drawing/2014/main" id="{807D8E9E-D846-4007-B8ED-13C1B2604D3F}"/>
+                <a16:creationId xmlns:a16="http://schemas.microsoft.com/office/drawing/2014/main" id="{03838472-219D-46A2-91C8-D7178859BEF5}"/>
               </a:ext>
             </a:extLst>
           </p:cNvPr>
@@ -488,7 +493,7 @@
           <p:cNvPr id="6" name="Slide Number Placeholder 5">
             <a:extLst>
               <a:ext uri="{FF2B5EF4-FFF2-40B4-BE49-F238E27FC236}">
-                <a16:creationId xmlns:a16="http://schemas.microsoft.com/office/drawing/2014/main" id="{8B5CF324-BC1A-4FA3-B8E2-E96EA040FE07}"/>
+                <a16:creationId xmlns:a16="http://schemas.microsoft.com/office/drawing/2014/main" id="{AC037897-AA65-4B31-A28E-EE5DFD91674E}"/>
               </a:ext>
             </a:extLst>
           </p:cNvPr>
@@ -515,7 +520,7 @@
     </p:spTree>
     <p:extLst>
       <p:ext uri="{BB962C8B-B14F-4D97-AF65-F5344CB8AC3E}">
-        <p14:creationId xmlns:p14="http://schemas.microsoft.com/office/powerpoint/2010/main" val="70980687"/>
+        <p14:creationId xmlns:p14="http://schemas.microsoft.com/office/powerpoint/2010/main" val="2919732959"/>
       </p:ext>
     </p:extLst>
   </p:cSld>
@@ -547,7 +552,7 @@
           <p:cNvPr id="2" name="Vertical Title 1">
             <a:extLst>
               <a:ext uri="{FF2B5EF4-FFF2-40B4-BE49-F238E27FC236}">
-                <a16:creationId xmlns:a16="http://schemas.microsoft.com/office/drawing/2014/main" id="{C58F2A6D-1D64-462A-A326-ECFD53897F52}"/>
+                <a16:creationId xmlns:a16="http://schemas.microsoft.com/office/drawing/2014/main" id="{E2F35DB5-10BD-4E6D-B827-01DD343AD3B4}"/>
               </a:ext>
             </a:extLst>
           </p:cNvPr>
@@ -560,8 +565,8 @@
         </p:nvSpPr>
         <p:spPr>
           <a:xfrm>
-            <a:off x="8724900" y="365125"/>
-            <a:ext cx="2628900" cy="5811838"/>
+            <a:off x="8724902" y="365125"/>
+            <a:ext cx="2628899" cy="5811837"/>
           </a:xfrm>
         </p:spPr>
         <p:txBody>
@@ -580,7 +585,7 @@
           <p:cNvPr id="3" name="Vertical Text Placeholder 2">
             <a:extLst>
               <a:ext uri="{FF2B5EF4-FFF2-40B4-BE49-F238E27FC236}">
-                <a16:creationId xmlns:a16="http://schemas.microsoft.com/office/drawing/2014/main" id="{A547FA8F-0845-4219-B418-70C605D6CDD7}"/>
+                <a16:creationId xmlns:a16="http://schemas.microsoft.com/office/drawing/2014/main" id="{7AA6AE5E-1422-44D7-859E-67D613546019}"/>
               </a:ext>
             </a:extLst>
           </p:cNvPr>
@@ -593,8 +598,8 @@
         </p:nvSpPr>
         <p:spPr>
           <a:xfrm>
-            <a:off x="838200" y="365125"/>
-            <a:ext cx="7734300" cy="5811838"/>
+            <a:off x="838201" y="365125"/>
+            <a:ext cx="7734300" cy="5811837"/>
           </a:xfrm>
         </p:spPr>
         <p:txBody>
@@ -642,7 +647,7 @@
           <p:cNvPr id="4" name="Date Placeholder 3">
             <a:extLst>
               <a:ext uri="{FF2B5EF4-FFF2-40B4-BE49-F238E27FC236}">
-                <a16:creationId xmlns:a16="http://schemas.microsoft.com/office/drawing/2014/main" id="{FD804308-DD96-45ED-A019-01F105CB585A}"/>
+                <a16:creationId xmlns:a16="http://schemas.microsoft.com/office/drawing/2014/main" id="{30DCF8AE-00E2-4FD5-B318-B76F3734B8B0}"/>
               </a:ext>
             </a:extLst>
           </p:cNvPr>
@@ -660,7 +665,7 @@
           <a:p>
             <a:fld id="{58537782-5515-4277-8890-BE805010C87F}" type="datetimeFigureOut">
               <a:rPr lang="en-US" smtClean="0"/>
-              <a:t>3/2/2021</a:t>
+              <a:t>3/3/2021</a:t>
             </a:fld>
             <a:endParaRPr lang="en-US"/>
           </a:p>
@@ -671,7 +676,7 @@
           <p:cNvPr id="5" name="Footer Placeholder 4">
             <a:extLst>
               <a:ext uri="{FF2B5EF4-FFF2-40B4-BE49-F238E27FC236}">
-                <a16:creationId xmlns:a16="http://schemas.microsoft.com/office/drawing/2014/main" id="{CE55927C-00D5-42D1-8D82-840F2F65F9EF}"/>
+                <a16:creationId xmlns:a16="http://schemas.microsoft.com/office/drawing/2014/main" id="{F2FE31CC-4B2E-424A-9738-2831FCB1F646}"/>
               </a:ext>
             </a:extLst>
           </p:cNvPr>
@@ -696,7 +701,7 @@
           <p:cNvPr id="6" name="Slide Number Placeholder 5">
             <a:extLst>
               <a:ext uri="{FF2B5EF4-FFF2-40B4-BE49-F238E27FC236}">
-                <a16:creationId xmlns:a16="http://schemas.microsoft.com/office/drawing/2014/main" id="{EFF81F65-90AA-481A-BD51-6BEC33B6DD1F}"/>
+                <a16:creationId xmlns:a16="http://schemas.microsoft.com/office/drawing/2014/main" id="{EA4FD69F-757A-4106-9A34-575026E2851C}"/>
               </a:ext>
             </a:extLst>
           </p:cNvPr>
@@ -723,7 +728,7 @@
     </p:spTree>
     <p:extLst>
       <p:ext uri="{BB962C8B-B14F-4D97-AF65-F5344CB8AC3E}">
-        <p14:creationId xmlns:p14="http://schemas.microsoft.com/office/powerpoint/2010/main" val="3170497721"/>
+        <p14:creationId xmlns:p14="http://schemas.microsoft.com/office/powerpoint/2010/main" val="3770845460"/>
       </p:ext>
     </p:extLst>
   </p:cSld>
@@ -755,7 +760,7 @@
           <p:cNvPr id="2" name="Title 1">
             <a:extLst>
               <a:ext uri="{FF2B5EF4-FFF2-40B4-BE49-F238E27FC236}">
-                <a16:creationId xmlns:a16="http://schemas.microsoft.com/office/drawing/2014/main" id="{40258FD0-254F-443C-A9E8-CF8028946A34}"/>
+                <a16:creationId xmlns:a16="http://schemas.microsoft.com/office/drawing/2014/main" id="{FC3C1FF8-DE17-4F06-88B2-488BF434F972}"/>
               </a:ext>
             </a:extLst>
           </p:cNvPr>
@@ -783,7 +788,7 @@
           <p:cNvPr id="3" name="Content Placeholder 2">
             <a:extLst>
               <a:ext uri="{FF2B5EF4-FFF2-40B4-BE49-F238E27FC236}">
-                <a16:creationId xmlns:a16="http://schemas.microsoft.com/office/drawing/2014/main" id="{E50BA7BB-7883-40B1-9645-D17734FEDC3F}"/>
+                <a16:creationId xmlns:a16="http://schemas.microsoft.com/office/drawing/2014/main" id="{DDD7FEAC-32F8-4077-BED6-5E488FD1366F}"/>
               </a:ext>
             </a:extLst>
           </p:cNvPr>
@@ -840,7 +845,7 @@
           <p:cNvPr id="4" name="Date Placeholder 3">
             <a:extLst>
               <a:ext uri="{FF2B5EF4-FFF2-40B4-BE49-F238E27FC236}">
-                <a16:creationId xmlns:a16="http://schemas.microsoft.com/office/drawing/2014/main" id="{0440B5BA-E955-485A-8DB6-FE14E57571B3}"/>
+                <a16:creationId xmlns:a16="http://schemas.microsoft.com/office/drawing/2014/main" id="{C2CB5596-F089-40C3-A517-DE1663353152}"/>
               </a:ext>
             </a:extLst>
           </p:cNvPr>
@@ -858,7 +863,7 @@
           <a:p>
             <a:fld id="{58537782-5515-4277-8890-BE805010C87F}" type="datetimeFigureOut">
               <a:rPr lang="en-US" smtClean="0"/>
-              <a:t>3/2/2021</a:t>
+              <a:t>3/3/2021</a:t>
             </a:fld>
             <a:endParaRPr lang="en-US"/>
           </a:p>
@@ -869,7 +874,7 @@
           <p:cNvPr id="5" name="Footer Placeholder 4">
             <a:extLst>
               <a:ext uri="{FF2B5EF4-FFF2-40B4-BE49-F238E27FC236}">
-                <a16:creationId xmlns:a16="http://schemas.microsoft.com/office/drawing/2014/main" id="{E8DC60E9-0C7D-4101-A3D8-7CF8F9CE5BD2}"/>
+                <a16:creationId xmlns:a16="http://schemas.microsoft.com/office/drawing/2014/main" id="{501BC840-149A-42E2-A0E0-837D1C13268F}"/>
               </a:ext>
             </a:extLst>
           </p:cNvPr>
@@ -894,7 +899,7 @@
           <p:cNvPr id="6" name="Slide Number Placeholder 5">
             <a:extLst>
               <a:ext uri="{FF2B5EF4-FFF2-40B4-BE49-F238E27FC236}">
-                <a16:creationId xmlns:a16="http://schemas.microsoft.com/office/drawing/2014/main" id="{8050DDF7-0537-4171-99F9-4C62901BEA93}"/>
+                <a16:creationId xmlns:a16="http://schemas.microsoft.com/office/drawing/2014/main" id="{98FD8A0D-B475-42AA-B307-B931E188385B}"/>
               </a:ext>
             </a:extLst>
           </p:cNvPr>
@@ -921,7 +926,7 @@
     </p:spTree>
     <p:extLst>
       <p:ext uri="{BB962C8B-B14F-4D97-AF65-F5344CB8AC3E}">
-        <p14:creationId xmlns:p14="http://schemas.microsoft.com/office/powerpoint/2010/main" val="2910143153"/>
+        <p14:creationId xmlns:p14="http://schemas.microsoft.com/office/powerpoint/2010/main" val="1460609715"/>
       </p:ext>
     </p:extLst>
   </p:cSld>
@@ -953,7 +958,7 @@
           <p:cNvPr id="2" name="Title 1">
             <a:extLst>
               <a:ext uri="{FF2B5EF4-FFF2-40B4-BE49-F238E27FC236}">
-                <a16:creationId xmlns:a16="http://schemas.microsoft.com/office/drawing/2014/main" id="{76AE842F-DCA9-4E3D-8EB6-514D18054FF2}"/>
+                <a16:creationId xmlns:a16="http://schemas.microsoft.com/office/drawing/2014/main" id="{9A3E3F4D-CE30-4D38-A94B-D4A3C518E5D6}"/>
               </a:ext>
             </a:extLst>
           </p:cNvPr>
@@ -967,7 +972,7 @@
         <p:spPr>
           <a:xfrm>
             <a:off x="831850" y="1709738"/>
-            <a:ext cx="10515600" cy="2852737"/>
+            <a:ext cx="10515601" cy="2852737"/>
           </a:xfrm>
         </p:spPr>
         <p:txBody>
@@ -990,7 +995,7 @@
           <p:cNvPr id="3" name="Text Placeholder 2">
             <a:extLst>
               <a:ext uri="{FF2B5EF4-FFF2-40B4-BE49-F238E27FC236}">
-                <a16:creationId xmlns:a16="http://schemas.microsoft.com/office/drawing/2014/main" id="{CA0DB11D-7B3F-41F8-83C4-AC71AB306550}"/>
+                <a16:creationId xmlns:a16="http://schemas.microsoft.com/office/drawing/2014/main" id="{AABD7239-92B5-41D2-B40F-B55352DF5A70}"/>
               </a:ext>
             </a:extLst>
           </p:cNvPr>
@@ -1003,8 +1008,8 @@
         </p:nvSpPr>
         <p:spPr>
           <a:xfrm>
-            <a:off x="831850" y="4589463"/>
-            <a:ext cx="10515600" cy="1500187"/>
+            <a:off x="831850" y="4589467"/>
+            <a:ext cx="10515601" cy="1500187"/>
           </a:xfrm>
         </p:spPr>
         <p:txBody>
@@ -1020,7 +1025,7 @@
                 </a:solidFill>
               </a:defRPr>
             </a:lvl1pPr>
-            <a:lvl2pPr marL="457200" indent="0">
+            <a:lvl2pPr marL="457185" indent="0">
               <a:buNone/>
               <a:defRPr sz="2000">
                 <a:solidFill>
@@ -1030,9 +1035,9 @@
                 </a:solidFill>
               </a:defRPr>
             </a:lvl2pPr>
-            <a:lvl3pPr marL="914400" indent="0">
-              <a:buNone/>
-              <a:defRPr sz="1800">
+            <a:lvl3pPr marL="914370" indent="0">
+              <a:buNone/>
+              <a:defRPr sz="1801">
                 <a:solidFill>
                   <a:schemeClr val="tx1">
                     <a:tint val="75000"/>
@@ -1040,7 +1045,7 @@
                 </a:solidFill>
               </a:defRPr>
             </a:lvl3pPr>
-            <a:lvl4pPr marL="1371600" indent="0">
+            <a:lvl4pPr marL="1371555" indent="0">
               <a:buNone/>
               <a:defRPr sz="1600">
                 <a:solidFill>
@@ -1050,7 +1055,7 @@
                 </a:solidFill>
               </a:defRPr>
             </a:lvl4pPr>
-            <a:lvl5pPr marL="1828800" indent="0">
+            <a:lvl5pPr marL="1828741" indent="0">
               <a:buNone/>
               <a:defRPr sz="1600">
                 <a:solidFill>
@@ -1060,7 +1065,7 @@
                 </a:solidFill>
               </a:defRPr>
             </a:lvl5pPr>
-            <a:lvl6pPr marL="2286000" indent="0">
+            <a:lvl6pPr marL="2285926" indent="0">
               <a:buNone/>
               <a:defRPr sz="1600">
                 <a:solidFill>
@@ -1070,7 +1075,7 @@
                 </a:solidFill>
               </a:defRPr>
             </a:lvl6pPr>
-            <a:lvl7pPr marL="2743200" indent="0">
+            <a:lvl7pPr marL="2743111" indent="0">
               <a:buNone/>
               <a:defRPr sz="1600">
                 <a:solidFill>
@@ -1080,7 +1085,7 @@
                 </a:solidFill>
               </a:defRPr>
             </a:lvl7pPr>
-            <a:lvl8pPr marL="3200400" indent="0">
+            <a:lvl8pPr marL="3200296" indent="0">
               <a:buNone/>
               <a:defRPr sz="1600">
                 <a:solidFill>
@@ -1090,7 +1095,7 @@
                 </a:solidFill>
               </a:defRPr>
             </a:lvl8pPr>
-            <a:lvl9pPr marL="3657600" indent="0">
+            <a:lvl9pPr marL="3657481" indent="0">
               <a:buNone/>
               <a:defRPr sz="1600">
                 <a:solidFill>
@@ -1115,7 +1120,7 @@
           <p:cNvPr id="4" name="Date Placeholder 3">
             <a:extLst>
               <a:ext uri="{FF2B5EF4-FFF2-40B4-BE49-F238E27FC236}">
-                <a16:creationId xmlns:a16="http://schemas.microsoft.com/office/drawing/2014/main" id="{AA767130-A1B0-4895-BF09-72A8072D8D5F}"/>
+                <a16:creationId xmlns:a16="http://schemas.microsoft.com/office/drawing/2014/main" id="{3447EF1A-9D54-4A98-93A1-D8307BB45277}"/>
               </a:ext>
             </a:extLst>
           </p:cNvPr>
@@ -1133,7 +1138,7 @@
           <a:p>
             <a:fld id="{58537782-5515-4277-8890-BE805010C87F}" type="datetimeFigureOut">
               <a:rPr lang="en-US" smtClean="0"/>
-              <a:t>3/2/2021</a:t>
+              <a:t>3/3/2021</a:t>
             </a:fld>
             <a:endParaRPr lang="en-US"/>
           </a:p>
@@ -1144,7 +1149,7 @@
           <p:cNvPr id="5" name="Footer Placeholder 4">
             <a:extLst>
               <a:ext uri="{FF2B5EF4-FFF2-40B4-BE49-F238E27FC236}">
-                <a16:creationId xmlns:a16="http://schemas.microsoft.com/office/drawing/2014/main" id="{9EEAC9E9-554D-4D24-B0E2-3047A4609D73}"/>
+                <a16:creationId xmlns:a16="http://schemas.microsoft.com/office/drawing/2014/main" id="{2B299329-8D14-4625-BE17-C2CD3688BA29}"/>
               </a:ext>
             </a:extLst>
           </p:cNvPr>
@@ -1169,7 +1174,7 @@
           <p:cNvPr id="6" name="Slide Number Placeholder 5">
             <a:extLst>
               <a:ext uri="{FF2B5EF4-FFF2-40B4-BE49-F238E27FC236}">
-                <a16:creationId xmlns:a16="http://schemas.microsoft.com/office/drawing/2014/main" id="{1B1D17B8-26F8-4E7E-9093-8BECE39B96E8}"/>
+                <a16:creationId xmlns:a16="http://schemas.microsoft.com/office/drawing/2014/main" id="{F7EBE573-762A-4491-888E-648BBACADAC6}"/>
               </a:ext>
             </a:extLst>
           </p:cNvPr>
@@ -1196,7 +1201,7 @@
     </p:spTree>
     <p:extLst>
       <p:ext uri="{BB962C8B-B14F-4D97-AF65-F5344CB8AC3E}">
-        <p14:creationId xmlns:p14="http://schemas.microsoft.com/office/powerpoint/2010/main" val="2704661412"/>
+        <p14:creationId xmlns:p14="http://schemas.microsoft.com/office/powerpoint/2010/main" val="3791522648"/>
       </p:ext>
     </p:extLst>
   </p:cSld>
@@ -1228,7 +1233,7 @@
           <p:cNvPr id="2" name="Title 1">
             <a:extLst>
               <a:ext uri="{FF2B5EF4-FFF2-40B4-BE49-F238E27FC236}">
-                <a16:creationId xmlns:a16="http://schemas.microsoft.com/office/drawing/2014/main" id="{E7F82BD1-63FD-4012-9C97-011874132A5F}"/>
+                <a16:creationId xmlns:a16="http://schemas.microsoft.com/office/drawing/2014/main" id="{A206841D-2867-4CDD-BAD7-29A75C617DC9}"/>
               </a:ext>
             </a:extLst>
           </p:cNvPr>
@@ -1256,7 +1261,7 @@
           <p:cNvPr id="3" name="Content Placeholder 2">
             <a:extLst>
               <a:ext uri="{FF2B5EF4-FFF2-40B4-BE49-F238E27FC236}">
-                <a16:creationId xmlns:a16="http://schemas.microsoft.com/office/drawing/2014/main" id="{B59401A4-654B-4425-83AD-900E19F4A773}"/>
+                <a16:creationId xmlns:a16="http://schemas.microsoft.com/office/drawing/2014/main" id="{ED6962A0-5DDF-4EB3-B577-E51F379E080D}"/>
               </a:ext>
             </a:extLst>
           </p:cNvPr>
@@ -1269,7 +1274,7 @@
         </p:nvSpPr>
         <p:spPr>
           <a:xfrm>
-            <a:off x="838200" y="1825625"/>
+            <a:off x="838203" y="1825626"/>
             <a:ext cx="5181600" cy="4351338"/>
           </a:xfrm>
         </p:spPr>
@@ -1318,7 +1323,7 @@
           <p:cNvPr id="4" name="Content Placeholder 3">
             <a:extLst>
               <a:ext uri="{FF2B5EF4-FFF2-40B4-BE49-F238E27FC236}">
-                <a16:creationId xmlns:a16="http://schemas.microsoft.com/office/drawing/2014/main" id="{9F4FF7BE-12E3-4DC0-B2C7-96A9AB7E2A2B}"/>
+                <a16:creationId xmlns:a16="http://schemas.microsoft.com/office/drawing/2014/main" id="{DAB347F2-46AF-4826-9385-5CC30A4A0593}"/>
               </a:ext>
             </a:extLst>
           </p:cNvPr>
@@ -1331,7 +1336,7 @@
         </p:nvSpPr>
         <p:spPr>
           <a:xfrm>
-            <a:off x="6172200" y="1825625"/>
+            <a:off x="6172200" y="1825626"/>
             <a:ext cx="5181600" cy="4351338"/>
           </a:xfrm>
         </p:spPr>
@@ -1380,7 +1385,7 @@
           <p:cNvPr id="5" name="Date Placeholder 4">
             <a:extLst>
               <a:ext uri="{FF2B5EF4-FFF2-40B4-BE49-F238E27FC236}">
-                <a16:creationId xmlns:a16="http://schemas.microsoft.com/office/drawing/2014/main" id="{E1BE3514-084C-470C-93CB-085F7E521949}"/>
+                <a16:creationId xmlns:a16="http://schemas.microsoft.com/office/drawing/2014/main" id="{F39521CF-C6C0-43BD-8637-C0F633A520BE}"/>
               </a:ext>
             </a:extLst>
           </p:cNvPr>
@@ -1398,7 +1403,7 @@
           <a:p>
             <a:fld id="{58537782-5515-4277-8890-BE805010C87F}" type="datetimeFigureOut">
               <a:rPr lang="en-US" smtClean="0"/>
-              <a:t>3/2/2021</a:t>
+              <a:t>3/3/2021</a:t>
             </a:fld>
             <a:endParaRPr lang="en-US"/>
           </a:p>
@@ -1409,7 +1414,7 @@
           <p:cNvPr id="6" name="Footer Placeholder 5">
             <a:extLst>
               <a:ext uri="{FF2B5EF4-FFF2-40B4-BE49-F238E27FC236}">
-                <a16:creationId xmlns:a16="http://schemas.microsoft.com/office/drawing/2014/main" id="{31FE73AD-DBD1-47C4-9EA1-68D8E22BB27B}"/>
+                <a16:creationId xmlns:a16="http://schemas.microsoft.com/office/drawing/2014/main" id="{57C17F66-7675-4871-847B-4899EF4F0DC8}"/>
               </a:ext>
             </a:extLst>
           </p:cNvPr>
@@ -1434,7 +1439,7 @@
           <p:cNvPr id="7" name="Slide Number Placeholder 6">
             <a:extLst>
               <a:ext uri="{FF2B5EF4-FFF2-40B4-BE49-F238E27FC236}">
-                <a16:creationId xmlns:a16="http://schemas.microsoft.com/office/drawing/2014/main" id="{0A6A6812-C3F3-4294-91A8-92277722A6C8}"/>
+                <a16:creationId xmlns:a16="http://schemas.microsoft.com/office/drawing/2014/main" id="{2778450D-28E8-4798-9892-F2DEBC52186C}"/>
               </a:ext>
             </a:extLst>
           </p:cNvPr>
@@ -1461,7 +1466,7 @@
     </p:spTree>
     <p:extLst>
       <p:ext uri="{BB962C8B-B14F-4D97-AF65-F5344CB8AC3E}">
-        <p14:creationId xmlns:p14="http://schemas.microsoft.com/office/powerpoint/2010/main" val="4187997619"/>
+        <p14:creationId xmlns:p14="http://schemas.microsoft.com/office/powerpoint/2010/main" val="3776622305"/>
       </p:ext>
     </p:extLst>
   </p:cSld>
@@ -1493,7 +1498,7 @@
           <p:cNvPr id="2" name="Title 1">
             <a:extLst>
               <a:ext uri="{FF2B5EF4-FFF2-40B4-BE49-F238E27FC236}">
-                <a16:creationId xmlns:a16="http://schemas.microsoft.com/office/drawing/2014/main" id="{05C87B53-ED19-4E1B-8006-46413CBFE98A}"/>
+                <a16:creationId xmlns:a16="http://schemas.microsoft.com/office/drawing/2014/main" id="{418FA66A-5538-4DEA-AF89-491B6F845EA1}"/>
               </a:ext>
             </a:extLst>
           </p:cNvPr>
@@ -1506,8 +1511,8 @@
         </p:nvSpPr>
         <p:spPr>
           <a:xfrm>
-            <a:off x="839788" y="365125"/>
-            <a:ext cx="10515600" cy="1325563"/>
+            <a:off x="839787" y="365128"/>
+            <a:ext cx="10515601" cy="1325563"/>
           </a:xfrm>
         </p:spPr>
         <p:txBody>
@@ -1526,7 +1531,7 @@
           <p:cNvPr id="3" name="Text Placeholder 2">
             <a:extLst>
               <a:ext uri="{FF2B5EF4-FFF2-40B4-BE49-F238E27FC236}">
-                <a16:creationId xmlns:a16="http://schemas.microsoft.com/office/drawing/2014/main" id="{3EB5DE83-88FF-49F5-8A38-D8E38BEAACC8}"/>
+                <a16:creationId xmlns:a16="http://schemas.microsoft.com/office/drawing/2014/main" id="{2F631277-21AE-418A-8472-FF77C944FDFD}"/>
               </a:ext>
             </a:extLst>
           </p:cNvPr>
@@ -1539,8 +1544,8 @@
         </p:nvSpPr>
         <p:spPr>
           <a:xfrm>
-            <a:off x="839788" y="1681163"/>
-            <a:ext cx="5157787" cy="823912"/>
+            <a:off x="839788" y="1681165"/>
+            <a:ext cx="5157788" cy="823912"/>
           </a:xfrm>
         </p:spPr>
         <p:txBody>
@@ -1550,35 +1555,35 @@
               <a:buNone/>
               <a:defRPr sz="2400" b="1"/>
             </a:lvl1pPr>
-            <a:lvl2pPr marL="457200" indent="0">
+            <a:lvl2pPr marL="457185" indent="0">
               <a:buNone/>
               <a:defRPr sz="2000" b="1"/>
             </a:lvl2pPr>
-            <a:lvl3pPr marL="914400" indent="0">
-              <a:buNone/>
-              <a:defRPr sz="1800" b="1"/>
+            <a:lvl3pPr marL="914370" indent="0">
+              <a:buNone/>
+              <a:defRPr sz="1801" b="1"/>
             </a:lvl3pPr>
-            <a:lvl4pPr marL="1371600" indent="0">
+            <a:lvl4pPr marL="1371555" indent="0">
               <a:buNone/>
               <a:defRPr sz="1600" b="1"/>
             </a:lvl4pPr>
-            <a:lvl5pPr marL="1828800" indent="0">
+            <a:lvl5pPr marL="1828741" indent="0">
               <a:buNone/>
               <a:defRPr sz="1600" b="1"/>
             </a:lvl5pPr>
-            <a:lvl6pPr marL="2286000" indent="0">
+            <a:lvl6pPr marL="2285926" indent="0">
               <a:buNone/>
               <a:defRPr sz="1600" b="1"/>
             </a:lvl6pPr>
-            <a:lvl7pPr marL="2743200" indent="0">
+            <a:lvl7pPr marL="2743111" indent="0">
               <a:buNone/>
               <a:defRPr sz="1600" b="1"/>
             </a:lvl7pPr>
-            <a:lvl8pPr marL="3200400" indent="0">
+            <a:lvl8pPr marL="3200296" indent="0">
               <a:buNone/>
               <a:defRPr sz="1600" b="1"/>
             </a:lvl8pPr>
-            <a:lvl9pPr marL="3657600" indent="0">
+            <a:lvl9pPr marL="3657481" indent="0">
               <a:buNone/>
               <a:defRPr sz="1600" b="1"/>
             </a:lvl9pPr>
@@ -1597,7 +1602,7 @@
           <p:cNvPr id="4" name="Content Placeholder 3">
             <a:extLst>
               <a:ext uri="{FF2B5EF4-FFF2-40B4-BE49-F238E27FC236}">
-                <a16:creationId xmlns:a16="http://schemas.microsoft.com/office/drawing/2014/main" id="{B86A9040-1C89-427A-A57F-13AA7D9092A4}"/>
+                <a16:creationId xmlns:a16="http://schemas.microsoft.com/office/drawing/2014/main" id="{240EA94A-34ED-4874-B6EA-4DB4CA4452CD}"/>
               </a:ext>
             </a:extLst>
           </p:cNvPr>
@@ -1610,8 +1615,8 @@
         </p:nvSpPr>
         <p:spPr>
           <a:xfrm>
-            <a:off x="839788" y="2505075"/>
-            <a:ext cx="5157787" cy="3684588"/>
+            <a:off x="839788" y="2505076"/>
+            <a:ext cx="5157788" cy="3684588"/>
           </a:xfrm>
         </p:spPr>
         <p:txBody>
@@ -1659,7 +1664,7 @@
           <p:cNvPr id="5" name="Text Placeholder 4">
             <a:extLst>
               <a:ext uri="{FF2B5EF4-FFF2-40B4-BE49-F238E27FC236}">
-                <a16:creationId xmlns:a16="http://schemas.microsoft.com/office/drawing/2014/main" id="{75C6EAC4-FC94-466F-85CC-88B3FD4F3779}"/>
+                <a16:creationId xmlns:a16="http://schemas.microsoft.com/office/drawing/2014/main" id="{5D87A075-75E9-4F3C-87D5-0257E6C56A02}"/>
               </a:ext>
             </a:extLst>
           </p:cNvPr>
@@ -1672,7 +1677,7 @@
         </p:nvSpPr>
         <p:spPr>
           <a:xfrm>
-            <a:off x="6172200" y="1681163"/>
+            <a:off x="6172200" y="1681165"/>
             <a:ext cx="5183188" cy="823912"/>
           </a:xfrm>
         </p:spPr>
@@ -1683,35 +1688,35 @@
               <a:buNone/>
               <a:defRPr sz="2400" b="1"/>
             </a:lvl1pPr>
-            <a:lvl2pPr marL="457200" indent="0">
+            <a:lvl2pPr marL="457185" indent="0">
               <a:buNone/>
               <a:defRPr sz="2000" b="1"/>
             </a:lvl2pPr>
-            <a:lvl3pPr marL="914400" indent="0">
-              <a:buNone/>
-              <a:defRPr sz="1800" b="1"/>
+            <a:lvl3pPr marL="914370" indent="0">
+              <a:buNone/>
+              <a:defRPr sz="1801" b="1"/>
             </a:lvl3pPr>
-            <a:lvl4pPr marL="1371600" indent="0">
+            <a:lvl4pPr marL="1371555" indent="0">
               <a:buNone/>
               <a:defRPr sz="1600" b="1"/>
             </a:lvl4pPr>
-            <a:lvl5pPr marL="1828800" indent="0">
+            <a:lvl5pPr marL="1828741" indent="0">
               <a:buNone/>
               <a:defRPr sz="1600" b="1"/>
             </a:lvl5pPr>
-            <a:lvl6pPr marL="2286000" indent="0">
+            <a:lvl6pPr marL="2285926" indent="0">
               <a:buNone/>
               <a:defRPr sz="1600" b="1"/>
             </a:lvl6pPr>
-            <a:lvl7pPr marL="2743200" indent="0">
+            <a:lvl7pPr marL="2743111" indent="0">
               <a:buNone/>
               <a:defRPr sz="1600" b="1"/>
             </a:lvl7pPr>
-            <a:lvl8pPr marL="3200400" indent="0">
+            <a:lvl8pPr marL="3200296" indent="0">
               <a:buNone/>
               <a:defRPr sz="1600" b="1"/>
             </a:lvl8pPr>
-            <a:lvl9pPr marL="3657600" indent="0">
+            <a:lvl9pPr marL="3657481" indent="0">
               <a:buNone/>
               <a:defRPr sz="1600" b="1"/>
             </a:lvl9pPr>
@@ -1730,7 +1735,7 @@
           <p:cNvPr id="6" name="Content Placeholder 5">
             <a:extLst>
               <a:ext uri="{FF2B5EF4-FFF2-40B4-BE49-F238E27FC236}">
-                <a16:creationId xmlns:a16="http://schemas.microsoft.com/office/drawing/2014/main" id="{E1B5F40C-84A8-4852-B6EB-568C040472DA}"/>
+                <a16:creationId xmlns:a16="http://schemas.microsoft.com/office/drawing/2014/main" id="{861EF962-0EA6-4B14-A914-7E5F2FB0F543}"/>
               </a:ext>
             </a:extLst>
           </p:cNvPr>
@@ -1743,7 +1748,7 @@
         </p:nvSpPr>
         <p:spPr>
           <a:xfrm>
-            <a:off x="6172200" y="2505075"/>
+            <a:off x="6172200" y="2505076"/>
             <a:ext cx="5183188" cy="3684588"/>
           </a:xfrm>
         </p:spPr>
@@ -1792,7 +1797,7 @@
           <p:cNvPr id="7" name="Date Placeholder 6">
             <a:extLst>
               <a:ext uri="{FF2B5EF4-FFF2-40B4-BE49-F238E27FC236}">
-                <a16:creationId xmlns:a16="http://schemas.microsoft.com/office/drawing/2014/main" id="{5DE4F376-688F-4DD7-9BAC-9084BD3F0CA2}"/>
+                <a16:creationId xmlns:a16="http://schemas.microsoft.com/office/drawing/2014/main" id="{AAA96F7F-C246-49FF-B5BB-5BB42467805E}"/>
               </a:ext>
             </a:extLst>
           </p:cNvPr>
@@ -1810,7 +1815,7 @@
           <a:p>
             <a:fld id="{58537782-5515-4277-8890-BE805010C87F}" type="datetimeFigureOut">
               <a:rPr lang="en-US" smtClean="0"/>
-              <a:t>3/2/2021</a:t>
+              <a:t>3/3/2021</a:t>
             </a:fld>
             <a:endParaRPr lang="en-US"/>
           </a:p>
@@ -1821,7 +1826,7 @@
           <p:cNvPr id="8" name="Footer Placeholder 7">
             <a:extLst>
               <a:ext uri="{FF2B5EF4-FFF2-40B4-BE49-F238E27FC236}">
-                <a16:creationId xmlns:a16="http://schemas.microsoft.com/office/drawing/2014/main" id="{BE8DF77D-E575-4A39-AE55-4CDA685A29B1}"/>
+                <a16:creationId xmlns:a16="http://schemas.microsoft.com/office/drawing/2014/main" id="{252B8AE9-11EF-417E-A6B1-B9BFBD7382DE}"/>
               </a:ext>
             </a:extLst>
           </p:cNvPr>
@@ -1846,7 +1851,7 @@
           <p:cNvPr id="9" name="Slide Number Placeholder 8">
             <a:extLst>
               <a:ext uri="{FF2B5EF4-FFF2-40B4-BE49-F238E27FC236}">
-                <a16:creationId xmlns:a16="http://schemas.microsoft.com/office/drawing/2014/main" id="{80A08494-E15C-4C50-8D99-49DA28636E51}"/>
+                <a16:creationId xmlns:a16="http://schemas.microsoft.com/office/drawing/2014/main" id="{51A256D8-458C-4435-94CA-C7A17446F7D3}"/>
               </a:ext>
             </a:extLst>
           </p:cNvPr>
@@ -1873,7 +1878,7 @@
     </p:spTree>
     <p:extLst>
       <p:ext uri="{BB962C8B-B14F-4D97-AF65-F5344CB8AC3E}">
-        <p14:creationId xmlns:p14="http://schemas.microsoft.com/office/powerpoint/2010/main" val="4048750704"/>
+        <p14:creationId xmlns:p14="http://schemas.microsoft.com/office/powerpoint/2010/main" val="3668762427"/>
       </p:ext>
     </p:extLst>
   </p:cSld>
@@ -1905,7 +1910,7 @@
           <p:cNvPr id="2" name="Title 1">
             <a:extLst>
               <a:ext uri="{FF2B5EF4-FFF2-40B4-BE49-F238E27FC236}">
-                <a16:creationId xmlns:a16="http://schemas.microsoft.com/office/drawing/2014/main" id="{8C92CED0-C6D2-4E66-828C-356931E3C640}"/>
+                <a16:creationId xmlns:a16="http://schemas.microsoft.com/office/drawing/2014/main" id="{DD65D5A9-786A-4DE8-A886-B08B50AE8329}"/>
               </a:ext>
             </a:extLst>
           </p:cNvPr>
@@ -1933,7 +1938,7 @@
           <p:cNvPr id="3" name="Date Placeholder 2">
             <a:extLst>
               <a:ext uri="{FF2B5EF4-FFF2-40B4-BE49-F238E27FC236}">
-                <a16:creationId xmlns:a16="http://schemas.microsoft.com/office/drawing/2014/main" id="{74A8F451-E7F3-4DAF-A9BA-C72D83173B17}"/>
+                <a16:creationId xmlns:a16="http://schemas.microsoft.com/office/drawing/2014/main" id="{667EF3E9-04F6-4243-A0EC-F6028D7A9B95}"/>
               </a:ext>
             </a:extLst>
           </p:cNvPr>
@@ -1951,7 +1956,7 @@
           <a:p>
             <a:fld id="{58537782-5515-4277-8890-BE805010C87F}" type="datetimeFigureOut">
               <a:rPr lang="en-US" smtClean="0"/>
-              <a:t>3/2/2021</a:t>
+              <a:t>3/3/2021</a:t>
             </a:fld>
             <a:endParaRPr lang="en-US"/>
           </a:p>
@@ -1962,7 +1967,7 @@
           <p:cNvPr id="4" name="Footer Placeholder 3">
             <a:extLst>
               <a:ext uri="{FF2B5EF4-FFF2-40B4-BE49-F238E27FC236}">
-                <a16:creationId xmlns:a16="http://schemas.microsoft.com/office/drawing/2014/main" id="{5DC3DB4B-3B51-4265-82BE-25ABD488EF4C}"/>
+                <a16:creationId xmlns:a16="http://schemas.microsoft.com/office/drawing/2014/main" id="{485629BD-899B-4659-84FE-981925D02E45}"/>
               </a:ext>
             </a:extLst>
           </p:cNvPr>
@@ -1987,7 +1992,7 @@
           <p:cNvPr id="5" name="Slide Number Placeholder 4">
             <a:extLst>
               <a:ext uri="{FF2B5EF4-FFF2-40B4-BE49-F238E27FC236}">
-                <a16:creationId xmlns:a16="http://schemas.microsoft.com/office/drawing/2014/main" id="{8FCE0A8B-BC91-428E-AA7E-C07A54FF7CA4}"/>
+                <a16:creationId xmlns:a16="http://schemas.microsoft.com/office/drawing/2014/main" id="{22D335E1-0D1D-4280-AF24-A85118E43BFA}"/>
               </a:ext>
             </a:extLst>
           </p:cNvPr>
@@ -2014,7 +2019,7 @@
     </p:spTree>
     <p:extLst>
       <p:ext uri="{BB962C8B-B14F-4D97-AF65-F5344CB8AC3E}">
-        <p14:creationId xmlns:p14="http://schemas.microsoft.com/office/powerpoint/2010/main" val="2909028579"/>
+        <p14:creationId xmlns:p14="http://schemas.microsoft.com/office/powerpoint/2010/main" val="3836102781"/>
       </p:ext>
     </p:extLst>
   </p:cSld>
@@ -2046,7 +2051,7 @@
           <p:cNvPr id="2" name="Date Placeholder 1">
             <a:extLst>
               <a:ext uri="{FF2B5EF4-FFF2-40B4-BE49-F238E27FC236}">
-                <a16:creationId xmlns:a16="http://schemas.microsoft.com/office/drawing/2014/main" id="{45F09C5C-8E63-4B9C-A61A-2A3DBC3C657C}"/>
+                <a16:creationId xmlns:a16="http://schemas.microsoft.com/office/drawing/2014/main" id="{F7D66ED9-BE3F-42C4-913C-7D737F2BD6E6}"/>
               </a:ext>
             </a:extLst>
           </p:cNvPr>
@@ -2064,7 +2069,7 @@
           <a:p>
             <a:fld id="{58537782-5515-4277-8890-BE805010C87F}" type="datetimeFigureOut">
               <a:rPr lang="en-US" smtClean="0"/>
-              <a:t>3/2/2021</a:t>
+              <a:t>3/3/2021</a:t>
             </a:fld>
             <a:endParaRPr lang="en-US"/>
           </a:p>
@@ -2075,7 +2080,7 @@
           <p:cNvPr id="3" name="Footer Placeholder 2">
             <a:extLst>
               <a:ext uri="{FF2B5EF4-FFF2-40B4-BE49-F238E27FC236}">
-                <a16:creationId xmlns:a16="http://schemas.microsoft.com/office/drawing/2014/main" id="{3B1E3EDC-624F-4CA4-A703-1F59D4762767}"/>
+                <a16:creationId xmlns:a16="http://schemas.microsoft.com/office/drawing/2014/main" id="{2282AEFE-68AD-4DAE-9F6F-D980AFD71118}"/>
               </a:ext>
             </a:extLst>
           </p:cNvPr>
@@ -2100,7 +2105,7 @@
           <p:cNvPr id="4" name="Slide Number Placeholder 3">
             <a:extLst>
               <a:ext uri="{FF2B5EF4-FFF2-40B4-BE49-F238E27FC236}">
-                <a16:creationId xmlns:a16="http://schemas.microsoft.com/office/drawing/2014/main" id="{208900E3-9DA1-4E77-9943-F5F27D0CA96B}"/>
+                <a16:creationId xmlns:a16="http://schemas.microsoft.com/office/drawing/2014/main" id="{0699365F-3936-4E12-AD15-D120B5E6C5C0}"/>
               </a:ext>
             </a:extLst>
           </p:cNvPr>
@@ -2127,7 +2132,7 @@
     </p:spTree>
     <p:extLst>
       <p:ext uri="{BB962C8B-B14F-4D97-AF65-F5344CB8AC3E}">
-        <p14:creationId xmlns:p14="http://schemas.microsoft.com/office/powerpoint/2010/main" val="4171449896"/>
+        <p14:creationId xmlns:p14="http://schemas.microsoft.com/office/powerpoint/2010/main" val="2642521972"/>
       </p:ext>
     </p:extLst>
   </p:cSld>
@@ -2159,7 +2164,7 @@
           <p:cNvPr id="2" name="Title 1">
             <a:extLst>
               <a:ext uri="{FF2B5EF4-FFF2-40B4-BE49-F238E27FC236}">
-                <a16:creationId xmlns:a16="http://schemas.microsoft.com/office/drawing/2014/main" id="{EAA0A1AC-FAD1-425B-B0ED-F83CC38DE63D}"/>
+                <a16:creationId xmlns:a16="http://schemas.microsoft.com/office/drawing/2014/main" id="{B233B719-8A8F-4F72-B578-B68EA1F1BAA8}"/>
               </a:ext>
             </a:extLst>
           </p:cNvPr>
@@ -2172,8 +2177,8 @@
         </p:nvSpPr>
         <p:spPr>
           <a:xfrm>
-            <a:off x="839788" y="457200"/>
-            <a:ext cx="3932237" cy="1600200"/>
+            <a:off x="839791" y="457201"/>
+            <a:ext cx="3932237" cy="1600201"/>
           </a:xfrm>
         </p:spPr>
         <p:txBody>
@@ -2196,7 +2201,7 @@
           <p:cNvPr id="3" name="Content Placeholder 2">
             <a:extLst>
               <a:ext uri="{FF2B5EF4-FFF2-40B4-BE49-F238E27FC236}">
-                <a16:creationId xmlns:a16="http://schemas.microsoft.com/office/drawing/2014/main" id="{4754143E-15C6-4432-8707-884B807BAB99}"/>
+                <a16:creationId xmlns:a16="http://schemas.microsoft.com/office/drawing/2014/main" id="{2704B25F-4AEC-4A58-88F8-555B68676ED5}"/>
               </a:ext>
             </a:extLst>
           </p:cNvPr>
@@ -2286,7 +2291,7 @@
           <p:cNvPr id="4" name="Text Placeholder 3">
             <a:extLst>
               <a:ext uri="{FF2B5EF4-FFF2-40B4-BE49-F238E27FC236}">
-                <a16:creationId xmlns:a16="http://schemas.microsoft.com/office/drawing/2014/main" id="{75675219-8551-484E-BDB3-C4ACAC4EBC39}"/>
+                <a16:creationId xmlns:a16="http://schemas.microsoft.com/office/drawing/2014/main" id="{1A7FB503-3E3D-4F27-B80B-316F610E48CB}"/>
               </a:ext>
             </a:extLst>
           </p:cNvPr>
@@ -2299,8 +2304,8 @@
         </p:nvSpPr>
         <p:spPr>
           <a:xfrm>
-            <a:off x="839788" y="2057400"/>
-            <a:ext cx="3932237" cy="3811588"/>
+            <a:off x="839791" y="2057399"/>
+            <a:ext cx="3932237" cy="3811589"/>
           </a:xfrm>
         </p:spPr>
         <p:txBody>
@@ -2310,37 +2315,37 @@
               <a:buNone/>
               <a:defRPr sz="1600"/>
             </a:lvl1pPr>
-            <a:lvl2pPr marL="457200" indent="0">
-              <a:buNone/>
-              <a:defRPr sz="1400"/>
+            <a:lvl2pPr marL="457185" indent="0">
+              <a:buNone/>
+              <a:defRPr sz="1401"/>
             </a:lvl2pPr>
-            <a:lvl3pPr marL="914400" indent="0">
+            <a:lvl3pPr marL="914370" indent="0">
               <a:buNone/>
               <a:defRPr sz="1200"/>
             </a:lvl3pPr>
-            <a:lvl4pPr marL="1371600" indent="0">
-              <a:buNone/>
-              <a:defRPr sz="1000"/>
+            <a:lvl4pPr marL="1371555" indent="0">
+              <a:buNone/>
+              <a:defRPr sz="1001"/>
             </a:lvl4pPr>
-            <a:lvl5pPr marL="1828800" indent="0">
-              <a:buNone/>
-              <a:defRPr sz="1000"/>
+            <a:lvl5pPr marL="1828741" indent="0">
+              <a:buNone/>
+              <a:defRPr sz="1001"/>
             </a:lvl5pPr>
-            <a:lvl6pPr marL="2286000" indent="0">
-              <a:buNone/>
-              <a:defRPr sz="1000"/>
+            <a:lvl6pPr marL="2285926" indent="0">
+              <a:buNone/>
+              <a:defRPr sz="1001"/>
             </a:lvl6pPr>
-            <a:lvl7pPr marL="2743200" indent="0">
-              <a:buNone/>
-              <a:defRPr sz="1000"/>
+            <a:lvl7pPr marL="2743111" indent="0">
+              <a:buNone/>
+              <a:defRPr sz="1001"/>
             </a:lvl7pPr>
-            <a:lvl8pPr marL="3200400" indent="0">
-              <a:buNone/>
-              <a:defRPr sz="1000"/>
+            <a:lvl8pPr marL="3200296" indent="0">
+              <a:buNone/>
+              <a:defRPr sz="1001"/>
             </a:lvl8pPr>
-            <a:lvl9pPr marL="3657600" indent="0">
-              <a:buNone/>
-              <a:defRPr sz="1000"/>
+            <a:lvl9pPr marL="3657481" indent="0">
+              <a:buNone/>
+              <a:defRPr sz="1001"/>
             </a:lvl9pPr>
           </a:lstStyle>
           <a:p>
@@ -2357,7 +2362,7 @@
           <p:cNvPr id="5" name="Date Placeholder 4">
             <a:extLst>
               <a:ext uri="{FF2B5EF4-FFF2-40B4-BE49-F238E27FC236}">
-                <a16:creationId xmlns:a16="http://schemas.microsoft.com/office/drawing/2014/main" id="{726D228F-B9D4-4A6A-94C6-7C177C52472F}"/>
+                <a16:creationId xmlns:a16="http://schemas.microsoft.com/office/drawing/2014/main" id="{C3D027E9-8454-479B-AE39-06B8E86BF333}"/>
               </a:ext>
             </a:extLst>
           </p:cNvPr>
@@ -2375,7 +2380,7 @@
           <a:p>
             <a:fld id="{58537782-5515-4277-8890-BE805010C87F}" type="datetimeFigureOut">
               <a:rPr lang="en-US" smtClean="0"/>
-              <a:t>3/2/2021</a:t>
+              <a:t>3/3/2021</a:t>
             </a:fld>
             <a:endParaRPr lang="en-US"/>
           </a:p>
@@ -2386,7 +2391,7 @@
           <p:cNvPr id="6" name="Footer Placeholder 5">
             <a:extLst>
               <a:ext uri="{FF2B5EF4-FFF2-40B4-BE49-F238E27FC236}">
-                <a16:creationId xmlns:a16="http://schemas.microsoft.com/office/drawing/2014/main" id="{6D7ECABE-2EA1-4C52-8676-0FC5A2B2A440}"/>
+                <a16:creationId xmlns:a16="http://schemas.microsoft.com/office/drawing/2014/main" id="{4D68D7E6-91A3-4D1C-B77F-5637B8DBD718}"/>
               </a:ext>
             </a:extLst>
           </p:cNvPr>
@@ -2411,7 +2416,7 @@
           <p:cNvPr id="7" name="Slide Number Placeholder 6">
             <a:extLst>
               <a:ext uri="{FF2B5EF4-FFF2-40B4-BE49-F238E27FC236}">
-                <a16:creationId xmlns:a16="http://schemas.microsoft.com/office/drawing/2014/main" id="{F81FFEE2-F6AF-4411-BF9A-C51D1F5D2318}"/>
+                <a16:creationId xmlns:a16="http://schemas.microsoft.com/office/drawing/2014/main" id="{03CA195E-F092-4DE9-919F-C9ED8126E2B1}"/>
               </a:ext>
             </a:extLst>
           </p:cNvPr>
@@ -2438,7 +2443,7 @@
     </p:spTree>
     <p:extLst>
       <p:ext uri="{BB962C8B-B14F-4D97-AF65-F5344CB8AC3E}">
-        <p14:creationId xmlns:p14="http://schemas.microsoft.com/office/powerpoint/2010/main" val="4201011042"/>
+        <p14:creationId xmlns:p14="http://schemas.microsoft.com/office/powerpoint/2010/main" val="2258059276"/>
       </p:ext>
     </p:extLst>
   </p:cSld>
@@ -2470,7 +2475,7 @@
           <p:cNvPr id="2" name="Title 1">
             <a:extLst>
               <a:ext uri="{FF2B5EF4-FFF2-40B4-BE49-F238E27FC236}">
-                <a16:creationId xmlns:a16="http://schemas.microsoft.com/office/drawing/2014/main" id="{1F0E1942-FDC4-41E8-A39D-61811F697DC5}"/>
+                <a16:creationId xmlns:a16="http://schemas.microsoft.com/office/drawing/2014/main" id="{B9DE68C9-FE64-462B-943F-C1A214AA4FD8}"/>
               </a:ext>
             </a:extLst>
           </p:cNvPr>
@@ -2483,8 +2488,8 @@
         </p:nvSpPr>
         <p:spPr>
           <a:xfrm>
-            <a:off x="839788" y="457200"/>
-            <a:ext cx="3932237" cy="1600200"/>
+            <a:off x="839791" y="457201"/>
+            <a:ext cx="3932237" cy="1600201"/>
           </a:xfrm>
         </p:spPr>
         <p:txBody>
@@ -2507,7 +2512,7 @@
           <p:cNvPr id="3" name="Picture Placeholder 2">
             <a:extLst>
               <a:ext uri="{FF2B5EF4-FFF2-40B4-BE49-F238E27FC236}">
-                <a16:creationId xmlns:a16="http://schemas.microsoft.com/office/drawing/2014/main" id="{C44190D2-C4F9-403D-968C-D6E211FE5DE0}"/>
+                <a16:creationId xmlns:a16="http://schemas.microsoft.com/office/drawing/2014/main" id="{C83351D3-B192-4F17-B4D3-9AF276DF7B60}"/>
               </a:ext>
             </a:extLst>
           </p:cNvPr>
@@ -2531,35 +2536,35 @@
               <a:buNone/>
               <a:defRPr sz="3200"/>
             </a:lvl1pPr>
-            <a:lvl2pPr marL="457200" indent="0">
+            <a:lvl2pPr marL="457185" indent="0">
               <a:buNone/>
               <a:defRPr sz="2800"/>
             </a:lvl2pPr>
-            <a:lvl3pPr marL="914400" indent="0">
+            <a:lvl3pPr marL="914370" indent="0">
               <a:buNone/>
               <a:defRPr sz="2400"/>
             </a:lvl3pPr>
-            <a:lvl4pPr marL="1371600" indent="0">
+            <a:lvl4pPr marL="1371555" indent="0">
               <a:buNone/>
               <a:defRPr sz="2000"/>
             </a:lvl4pPr>
-            <a:lvl5pPr marL="1828800" indent="0">
+            <a:lvl5pPr marL="1828741" indent="0">
               <a:buNone/>
               <a:defRPr sz="2000"/>
             </a:lvl5pPr>
-            <a:lvl6pPr marL="2286000" indent="0">
+            <a:lvl6pPr marL="2285926" indent="0">
               <a:buNone/>
               <a:defRPr sz="2000"/>
             </a:lvl6pPr>
-            <a:lvl7pPr marL="2743200" indent="0">
+            <a:lvl7pPr marL="2743111" indent="0">
               <a:buNone/>
               <a:defRPr sz="2000"/>
             </a:lvl7pPr>
-            <a:lvl8pPr marL="3200400" indent="0">
+            <a:lvl8pPr marL="3200296" indent="0">
               <a:buNone/>
               <a:defRPr sz="2000"/>
             </a:lvl8pPr>
-            <a:lvl9pPr marL="3657600" indent="0">
+            <a:lvl9pPr marL="3657481" indent="0">
               <a:buNone/>
               <a:defRPr sz="2000"/>
             </a:lvl9pPr>
@@ -2574,7 +2579,7 @@
           <p:cNvPr id="4" name="Text Placeholder 3">
             <a:extLst>
               <a:ext uri="{FF2B5EF4-FFF2-40B4-BE49-F238E27FC236}">
-                <a16:creationId xmlns:a16="http://schemas.microsoft.com/office/drawing/2014/main" id="{A234492A-E5E8-4B2C-AC31-E075C7385EA2}"/>
+                <a16:creationId xmlns:a16="http://schemas.microsoft.com/office/drawing/2014/main" id="{2289E6BC-49B5-4720-B6CA-E6A351A37CD2}"/>
               </a:ext>
             </a:extLst>
           </p:cNvPr>
@@ -2587,8 +2592,8 @@
         </p:nvSpPr>
         <p:spPr>
           <a:xfrm>
-            <a:off x="839788" y="2057400"/>
-            <a:ext cx="3932237" cy="3811588"/>
+            <a:off x="839791" y="2057399"/>
+            <a:ext cx="3932237" cy="3811589"/>
           </a:xfrm>
         </p:spPr>
         <p:txBody>
@@ -2598,37 +2603,37 @@
               <a:buNone/>
               <a:defRPr sz="1600"/>
             </a:lvl1pPr>
-            <a:lvl2pPr marL="457200" indent="0">
-              <a:buNone/>
-              <a:defRPr sz="1400"/>
+            <a:lvl2pPr marL="457185" indent="0">
+              <a:buNone/>
+              <a:defRPr sz="1401"/>
             </a:lvl2pPr>
-            <a:lvl3pPr marL="914400" indent="0">
+            <a:lvl3pPr marL="914370" indent="0">
               <a:buNone/>
               <a:defRPr sz="1200"/>
             </a:lvl3pPr>
-            <a:lvl4pPr marL="1371600" indent="0">
-              <a:buNone/>
-              <a:defRPr sz="1000"/>
+            <a:lvl4pPr marL="1371555" indent="0">
+              <a:buNone/>
+              <a:defRPr sz="1001"/>
             </a:lvl4pPr>
-            <a:lvl5pPr marL="1828800" indent="0">
-              <a:buNone/>
-              <a:defRPr sz="1000"/>
+            <a:lvl5pPr marL="1828741" indent="0">
+              <a:buNone/>
+              <a:defRPr sz="1001"/>
             </a:lvl5pPr>
-            <a:lvl6pPr marL="2286000" indent="0">
-              <a:buNone/>
-              <a:defRPr sz="1000"/>
+            <a:lvl6pPr marL="2285926" indent="0">
+              <a:buNone/>
+              <a:defRPr sz="1001"/>
             </a:lvl6pPr>
-            <a:lvl7pPr marL="2743200" indent="0">
-              <a:buNone/>
-              <a:defRPr sz="1000"/>
+            <a:lvl7pPr marL="2743111" indent="0">
+              <a:buNone/>
+              <a:defRPr sz="1001"/>
             </a:lvl7pPr>
-            <a:lvl8pPr marL="3200400" indent="0">
-              <a:buNone/>
-              <a:defRPr sz="1000"/>
+            <a:lvl8pPr marL="3200296" indent="0">
+              <a:buNone/>
+              <a:defRPr sz="1001"/>
             </a:lvl8pPr>
-            <a:lvl9pPr marL="3657600" indent="0">
-              <a:buNone/>
-              <a:defRPr sz="1000"/>
+            <a:lvl9pPr marL="3657481" indent="0">
+              <a:buNone/>
+              <a:defRPr sz="1001"/>
             </a:lvl9pPr>
           </a:lstStyle>
           <a:p>
@@ -2645,7 +2650,7 @@
           <p:cNvPr id="5" name="Date Placeholder 4">
             <a:extLst>
               <a:ext uri="{FF2B5EF4-FFF2-40B4-BE49-F238E27FC236}">
-                <a16:creationId xmlns:a16="http://schemas.microsoft.com/office/drawing/2014/main" id="{99531E71-2E23-4539-9DE0-9CD6EF46AA2C}"/>
+                <a16:creationId xmlns:a16="http://schemas.microsoft.com/office/drawing/2014/main" id="{75A3AFE5-290F-4070-B660-DE9D214DFEBF}"/>
               </a:ext>
             </a:extLst>
           </p:cNvPr>
@@ -2663,7 +2668,7 @@
           <a:p>
             <a:fld id="{58537782-5515-4277-8890-BE805010C87F}" type="datetimeFigureOut">
               <a:rPr lang="en-US" smtClean="0"/>
-              <a:t>3/2/2021</a:t>
+              <a:t>3/3/2021</a:t>
             </a:fld>
             <a:endParaRPr lang="en-US"/>
           </a:p>
@@ -2674,7 +2679,7 @@
           <p:cNvPr id="6" name="Footer Placeholder 5">
             <a:extLst>
               <a:ext uri="{FF2B5EF4-FFF2-40B4-BE49-F238E27FC236}">
-                <a16:creationId xmlns:a16="http://schemas.microsoft.com/office/drawing/2014/main" id="{1E45B314-3C00-46B6-BD31-469052CC18C0}"/>
+                <a16:creationId xmlns:a16="http://schemas.microsoft.com/office/drawing/2014/main" id="{02B8E649-CD6F-4E9F-834C-1F8C79B8F775}"/>
               </a:ext>
             </a:extLst>
           </p:cNvPr>
@@ -2699,7 +2704,7 @@
           <p:cNvPr id="7" name="Slide Number Placeholder 6">
             <a:extLst>
               <a:ext uri="{FF2B5EF4-FFF2-40B4-BE49-F238E27FC236}">
-                <a16:creationId xmlns:a16="http://schemas.microsoft.com/office/drawing/2014/main" id="{B24363FD-ED87-47C4-9D17-ADF805AE26F4}"/>
+                <a16:creationId xmlns:a16="http://schemas.microsoft.com/office/drawing/2014/main" id="{63B8D49B-0051-4A81-B581-580AF0FE05CD}"/>
               </a:ext>
             </a:extLst>
           </p:cNvPr>
@@ -2726,7 +2731,7 @@
     </p:spTree>
     <p:extLst>
       <p:ext uri="{BB962C8B-B14F-4D97-AF65-F5344CB8AC3E}">
-        <p14:creationId xmlns:p14="http://schemas.microsoft.com/office/powerpoint/2010/main" val="53448101"/>
+        <p14:creationId xmlns:p14="http://schemas.microsoft.com/office/powerpoint/2010/main" val="3751568121"/>
       </p:ext>
     </p:extLst>
   </p:cSld>
@@ -2763,7 +2768,7 @@
           <p:cNvPr id="2" name="Title Placeholder 1">
             <a:extLst>
               <a:ext uri="{FF2B5EF4-FFF2-40B4-BE49-F238E27FC236}">
-                <a16:creationId xmlns:a16="http://schemas.microsoft.com/office/drawing/2014/main" id="{63AEEB82-EA1C-4994-9E2C-F0154E9E9540}"/>
+                <a16:creationId xmlns:a16="http://schemas.microsoft.com/office/drawing/2014/main" id="{0A3BB19C-673F-4D53-8C92-361D7E87F3EC}"/>
               </a:ext>
             </a:extLst>
           </p:cNvPr>
@@ -2776,8 +2781,8 @@
         </p:nvSpPr>
         <p:spPr>
           <a:xfrm>
-            <a:off x="838200" y="365125"/>
-            <a:ext cx="10515600" cy="1325563"/>
+            <a:off x="838201" y="365128"/>
+            <a:ext cx="10515601" cy="1325563"/>
           </a:xfrm>
           <a:prstGeom prst="rect">
             <a:avLst/>
@@ -2801,7 +2806,7 @@
           <p:cNvPr id="3" name="Text Placeholder 2">
             <a:extLst>
               <a:ext uri="{FF2B5EF4-FFF2-40B4-BE49-F238E27FC236}">
-                <a16:creationId xmlns:a16="http://schemas.microsoft.com/office/drawing/2014/main" id="{9BBFC63A-3FE1-40AA-85C3-A40ED631DC94}"/>
+                <a16:creationId xmlns:a16="http://schemas.microsoft.com/office/drawing/2014/main" id="{B5A472F4-A592-4714-82E6-62F9D5734FE1}"/>
               </a:ext>
             </a:extLst>
           </p:cNvPr>
@@ -2814,8 +2819,8 @@
         </p:nvSpPr>
         <p:spPr>
           <a:xfrm>
-            <a:off x="838200" y="1825625"/>
-            <a:ext cx="10515600" cy="4351338"/>
+            <a:off x="838201" y="1825626"/>
+            <a:ext cx="10515601" cy="4351338"/>
           </a:xfrm>
           <a:prstGeom prst="rect">
             <a:avLst/>
@@ -2868,7 +2873,7 @@
           <p:cNvPr id="4" name="Date Placeholder 3">
             <a:extLst>
               <a:ext uri="{FF2B5EF4-FFF2-40B4-BE49-F238E27FC236}">
-                <a16:creationId xmlns:a16="http://schemas.microsoft.com/office/drawing/2014/main" id="{F82D20E4-0769-41D5-A10E-438AAD5E5E8A}"/>
+                <a16:creationId xmlns:a16="http://schemas.microsoft.com/office/drawing/2014/main" id="{E3071AC4-B34E-4F69-9858-A83FCB2502AD}"/>
               </a:ext>
             </a:extLst>
           </p:cNvPr>
@@ -2881,7 +2886,7 @@
         </p:nvSpPr>
         <p:spPr>
           <a:xfrm>
-            <a:off x="838200" y="6356350"/>
+            <a:off x="838201" y="6356353"/>
             <a:ext cx="2743200" cy="365125"/>
           </a:xfrm>
           <a:prstGeom prst="rect">
@@ -2904,7 +2909,7 @@
           <a:p>
             <a:fld id="{58537782-5515-4277-8890-BE805010C87F}" type="datetimeFigureOut">
               <a:rPr lang="en-US" smtClean="0"/>
-              <a:t>3/2/2021</a:t>
+              <a:t>3/3/2021</a:t>
             </a:fld>
             <a:endParaRPr lang="en-US"/>
           </a:p>
@@ -2915,7 +2920,7 @@
           <p:cNvPr id="5" name="Footer Placeholder 4">
             <a:extLst>
               <a:ext uri="{FF2B5EF4-FFF2-40B4-BE49-F238E27FC236}">
-                <a16:creationId xmlns:a16="http://schemas.microsoft.com/office/drawing/2014/main" id="{DCDD0D32-0A42-4D0C-82CE-ED15D0A73FCA}"/>
+                <a16:creationId xmlns:a16="http://schemas.microsoft.com/office/drawing/2014/main" id="{E1CD3EA4-E188-42F2-9B64-2828D0F0D1DE}"/>
               </a:ext>
             </a:extLst>
           </p:cNvPr>
@@ -2928,7 +2933,7 @@
         </p:nvSpPr>
         <p:spPr>
           <a:xfrm>
-            <a:off x="4038600" y="6356350"/>
+            <a:off x="4038601" y="6356353"/>
             <a:ext cx="4114800" cy="365125"/>
           </a:xfrm>
           <a:prstGeom prst="rect">
@@ -2958,7 +2963,7 @@
           <p:cNvPr id="6" name="Slide Number Placeholder 5">
             <a:extLst>
               <a:ext uri="{FF2B5EF4-FFF2-40B4-BE49-F238E27FC236}">
-                <a16:creationId xmlns:a16="http://schemas.microsoft.com/office/drawing/2014/main" id="{D2ECBEF6-4816-46BB-AFAF-F49C04D5C1FA}"/>
+                <a16:creationId xmlns:a16="http://schemas.microsoft.com/office/drawing/2014/main" id="{3CF311A6-B887-4616-A984-5098E848EB28}"/>
               </a:ext>
             </a:extLst>
           </p:cNvPr>
@@ -2971,7 +2976,7 @@
         </p:nvSpPr>
         <p:spPr>
           <a:xfrm>
-            <a:off x="8610600" y="6356350"/>
+            <a:off x="8610600" y="6356353"/>
             <a:ext cx="2743200" cy="365125"/>
           </a:xfrm>
           <a:prstGeom prst="rect">
@@ -3003,27 +3008,27 @@
     </p:spTree>
     <p:extLst>
       <p:ext uri="{BB962C8B-B14F-4D97-AF65-F5344CB8AC3E}">
-        <p14:creationId xmlns:p14="http://schemas.microsoft.com/office/powerpoint/2010/main" val="1676518553"/>
+        <p14:creationId xmlns:p14="http://schemas.microsoft.com/office/powerpoint/2010/main" val="227830581"/>
       </p:ext>
     </p:extLst>
   </p:cSld>
   <p:clrMap bg1="lt1" tx1="dk1" bg2="lt2" tx2="dk2" accent1="accent1" accent2="accent2" accent3="accent3" accent4="accent4" accent5="accent5" accent6="accent6" hlink="hlink" folHlink="folHlink"/>
   <p:sldLayoutIdLst>
-    <p:sldLayoutId id="2147483649" r:id="rId1"/>
-    <p:sldLayoutId id="2147483650" r:id="rId2"/>
-    <p:sldLayoutId id="2147483651" r:id="rId3"/>
-    <p:sldLayoutId id="2147483652" r:id="rId4"/>
-    <p:sldLayoutId id="2147483653" r:id="rId5"/>
-    <p:sldLayoutId id="2147483654" r:id="rId6"/>
-    <p:sldLayoutId id="2147483655" r:id="rId7"/>
-    <p:sldLayoutId id="2147483656" r:id="rId8"/>
-    <p:sldLayoutId id="2147483657" r:id="rId9"/>
-    <p:sldLayoutId id="2147483658" r:id="rId10"/>
-    <p:sldLayoutId id="2147483659" r:id="rId11"/>
+    <p:sldLayoutId id="2147483679" r:id="rId1"/>
+    <p:sldLayoutId id="2147483680" r:id="rId2"/>
+    <p:sldLayoutId id="2147483681" r:id="rId3"/>
+    <p:sldLayoutId id="2147483682" r:id="rId4"/>
+    <p:sldLayoutId id="2147483683" r:id="rId5"/>
+    <p:sldLayoutId id="2147483684" r:id="rId6"/>
+    <p:sldLayoutId id="2147483685" r:id="rId7"/>
+    <p:sldLayoutId id="2147483686" r:id="rId8"/>
+    <p:sldLayoutId id="2147483687" r:id="rId9"/>
+    <p:sldLayoutId id="2147483688" r:id="rId10"/>
+    <p:sldLayoutId id="2147483689" r:id="rId11"/>
   </p:sldLayoutIdLst>
   <p:txStyles>
     <p:titleStyle>
-      <a:lvl1pPr algn="l" defTabSz="914400" rtl="0" eaLnBrk="1" latinLnBrk="0" hangingPunct="1">
+      <a:lvl1pPr algn="l" defTabSz="914370" rtl="0" eaLnBrk="1" latinLnBrk="0" hangingPunct="1">
         <a:lnSpc>
           <a:spcPct val="90000"/>
         </a:lnSpc>
@@ -3042,12 +3047,12 @@
       </a:lvl1pPr>
     </p:titleStyle>
     <p:bodyStyle>
-      <a:lvl1pPr marL="228600" indent="-228600" algn="l" defTabSz="914400" rtl="0" eaLnBrk="1" latinLnBrk="0" hangingPunct="1">
+      <a:lvl1pPr marL="228593" indent="-228593" algn="l" defTabSz="914370" rtl="0" eaLnBrk="1" latinLnBrk="0" hangingPunct="1">
         <a:lnSpc>
           <a:spcPct val="90000"/>
         </a:lnSpc>
         <a:spcBef>
-          <a:spcPts val="1000"/>
+          <a:spcPts val="1001"/>
         </a:spcBef>
         <a:buFont typeface="Arial" panose="020B0604020202020204" pitchFamily="34" charset="0"/>
         <a:buChar char="•"/>
@@ -3060,7 +3065,7 @@
           <a:cs typeface="+mn-cs"/>
         </a:defRPr>
       </a:lvl1pPr>
-      <a:lvl2pPr marL="685800" indent="-228600" algn="l" defTabSz="914400" rtl="0" eaLnBrk="1" latinLnBrk="0" hangingPunct="1">
+      <a:lvl2pPr marL="685778" indent="-228593" algn="l" defTabSz="914370" rtl="0" eaLnBrk="1" latinLnBrk="0" hangingPunct="1">
         <a:lnSpc>
           <a:spcPct val="90000"/>
         </a:lnSpc>
@@ -3078,7 +3083,7 @@
           <a:cs typeface="+mn-cs"/>
         </a:defRPr>
       </a:lvl2pPr>
-      <a:lvl3pPr marL="1143000" indent="-228600" algn="l" defTabSz="914400" rtl="0" eaLnBrk="1" latinLnBrk="0" hangingPunct="1">
+      <a:lvl3pPr marL="1142963" indent="-228593" algn="l" defTabSz="914370" rtl="0" eaLnBrk="1" latinLnBrk="0" hangingPunct="1">
         <a:lnSpc>
           <a:spcPct val="90000"/>
         </a:lnSpc>
@@ -3096,7 +3101,7 @@
           <a:cs typeface="+mn-cs"/>
         </a:defRPr>
       </a:lvl3pPr>
-      <a:lvl4pPr marL="1600200" indent="-228600" algn="l" defTabSz="914400" rtl="0" eaLnBrk="1" latinLnBrk="0" hangingPunct="1">
+      <a:lvl4pPr marL="1600149" indent="-228593" algn="l" defTabSz="914370" rtl="0" eaLnBrk="1" latinLnBrk="0" hangingPunct="1">
         <a:lnSpc>
           <a:spcPct val="90000"/>
         </a:lnSpc>
@@ -3105,7 +3110,7 @@
         </a:spcBef>
         <a:buFont typeface="Arial" panose="020B0604020202020204" pitchFamily="34" charset="0"/>
         <a:buChar char="•"/>
-        <a:defRPr sz="1800" kern="1200">
+        <a:defRPr sz="1801" kern="1200">
           <a:solidFill>
             <a:schemeClr val="tx1"/>
           </a:solidFill>
@@ -3114,7 +3119,7 @@
           <a:cs typeface="+mn-cs"/>
         </a:defRPr>
       </a:lvl4pPr>
-      <a:lvl5pPr marL="2057400" indent="-228600" algn="l" defTabSz="914400" rtl="0" eaLnBrk="1" latinLnBrk="0" hangingPunct="1">
+      <a:lvl5pPr marL="2057334" indent="-228593" algn="l" defTabSz="914370" rtl="0" eaLnBrk="1" latinLnBrk="0" hangingPunct="1">
         <a:lnSpc>
           <a:spcPct val="90000"/>
         </a:lnSpc>
@@ -3123,7 +3128,7 @@
         </a:spcBef>
         <a:buFont typeface="Arial" panose="020B0604020202020204" pitchFamily="34" charset="0"/>
         <a:buChar char="•"/>
-        <a:defRPr sz="1800" kern="1200">
+        <a:defRPr sz="1801" kern="1200">
           <a:solidFill>
             <a:schemeClr val="tx1"/>
           </a:solidFill>
@@ -3132,7 +3137,7 @@
           <a:cs typeface="+mn-cs"/>
         </a:defRPr>
       </a:lvl5pPr>
-      <a:lvl6pPr marL="2514600" indent="-228600" algn="l" defTabSz="914400" rtl="0" eaLnBrk="1" latinLnBrk="0" hangingPunct="1">
+      <a:lvl6pPr marL="2514519" indent="-228593" algn="l" defTabSz="914370" rtl="0" eaLnBrk="1" latinLnBrk="0" hangingPunct="1">
         <a:lnSpc>
           <a:spcPct val="90000"/>
         </a:lnSpc>
@@ -3141,7 +3146,7 @@
         </a:spcBef>
         <a:buFont typeface="Arial" panose="020B0604020202020204" pitchFamily="34" charset="0"/>
         <a:buChar char="•"/>
-        <a:defRPr sz="1800" kern="1200">
+        <a:defRPr sz="1801" kern="1200">
           <a:solidFill>
             <a:schemeClr val="tx1"/>
           </a:solidFill>
@@ -3150,7 +3155,7 @@
           <a:cs typeface="+mn-cs"/>
         </a:defRPr>
       </a:lvl6pPr>
-      <a:lvl7pPr marL="2971800" indent="-228600" algn="l" defTabSz="914400" rtl="0" eaLnBrk="1" latinLnBrk="0" hangingPunct="1">
+      <a:lvl7pPr marL="2971704" indent="-228593" algn="l" defTabSz="914370" rtl="0" eaLnBrk="1" latinLnBrk="0" hangingPunct="1">
         <a:lnSpc>
           <a:spcPct val="90000"/>
         </a:lnSpc>
@@ -3159,7 +3164,7 @@
         </a:spcBef>
         <a:buFont typeface="Arial" panose="020B0604020202020204" pitchFamily="34" charset="0"/>
         <a:buChar char="•"/>
-        <a:defRPr sz="1800" kern="1200">
+        <a:defRPr sz="1801" kern="1200">
           <a:solidFill>
             <a:schemeClr val="tx1"/>
           </a:solidFill>
@@ -3168,7 +3173,7 @@
           <a:cs typeface="+mn-cs"/>
         </a:defRPr>
       </a:lvl7pPr>
-      <a:lvl8pPr marL="3429000" indent="-228600" algn="l" defTabSz="914400" rtl="0" eaLnBrk="1" latinLnBrk="0" hangingPunct="1">
+      <a:lvl8pPr marL="3428889" indent="-228593" algn="l" defTabSz="914370" rtl="0" eaLnBrk="1" latinLnBrk="0" hangingPunct="1">
         <a:lnSpc>
           <a:spcPct val="90000"/>
         </a:lnSpc>
@@ -3177,7 +3182,7 @@
         </a:spcBef>
         <a:buFont typeface="Arial" panose="020B0604020202020204" pitchFamily="34" charset="0"/>
         <a:buChar char="•"/>
-        <a:defRPr sz="1800" kern="1200">
+        <a:defRPr sz="1801" kern="1200">
           <a:solidFill>
             <a:schemeClr val="tx1"/>
           </a:solidFill>
@@ -3186,7 +3191,7 @@
           <a:cs typeface="+mn-cs"/>
         </a:defRPr>
       </a:lvl8pPr>
-      <a:lvl9pPr marL="3886200" indent="-228600" algn="l" defTabSz="914400" rtl="0" eaLnBrk="1" latinLnBrk="0" hangingPunct="1">
+      <a:lvl9pPr marL="3886074" indent="-228593" algn="l" defTabSz="914370" rtl="0" eaLnBrk="1" latinLnBrk="0" hangingPunct="1">
         <a:lnSpc>
           <a:spcPct val="90000"/>
         </a:lnSpc>
@@ -3195,7 +3200,7 @@
         </a:spcBef>
         <a:buFont typeface="Arial" panose="020B0604020202020204" pitchFamily="34" charset="0"/>
         <a:buChar char="•"/>
-        <a:defRPr sz="1800" kern="1200">
+        <a:defRPr sz="1801" kern="1200">
           <a:solidFill>
             <a:schemeClr val="tx1"/>
           </a:solidFill>
@@ -3209,8 +3214,8 @@
       <a:defPPr>
         <a:defRPr lang="en-US"/>
       </a:defPPr>
-      <a:lvl1pPr marL="0" algn="l" defTabSz="914400" rtl="0" eaLnBrk="1" latinLnBrk="0" hangingPunct="1">
-        <a:defRPr sz="1800" kern="1200">
+      <a:lvl1pPr marL="0" algn="l" defTabSz="914370" rtl="0" eaLnBrk="1" latinLnBrk="0" hangingPunct="1">
+        <a:defRPr sz="1801" kern="1200">
           <a:solidFill>
             <a:schemeClr val="tx1"/>
           </a:solidFill>
@@ -3219,8 +3224,8 @@
           <a:cs typeface="+mn-cs"/>
         </a:defRPr>
       </a:lvl1pPr>
-      <a:lvl2pPr marL="457200" algn="l" defTabSz="914400" rtl="0" eaLnBrk="1" latinLnBrk="0" hangingPunct="1">
-        <a:defRPr sz="1800" kern="1200">
+      <a:lvl2pPr marL="457185" algn="l" defTabSz="914370" rtl="0" eaLnBrk="1" latinLnBrk="0" hangingPunct="1">
+        <a:defRPr sz="1801" kern="1200">
           <a:solidFill>
             <a:schemeClr val="tx1"/>
           </a:solidFill>
@@ -3229,8 +3234,8 @@
           <a:cs typeface="+mn-cs"/>
         </a:defRPr>
       </a:lvl2pPr>
-      <a:lvl3pPr marL="914400" algn="l" defTabSz="914400" rtl="0" eaLnBrk="1" latinLnBrk="0" hangingPunct="1">
-        <a:defRPr sz="1800" kern="1200">
+      <a:lvl3pPr marL="914370" algn="l" defTabSz="914370" rtl="0" eaLnBrk="1" latinLnBrk="0" hangingPunct="1">
+        <a:defRPr sz="1801" kern="1200">
           <a:solidFill>
             <a:schemeClr val="tx1"/>
           </a:solidFill>
@@ -3239,8 +3244,8 @@
           <a:cs typeface="+mn-cs"/>
         </a:defRPr>
       </a:lvl3pPr>
-      <a:lvl4pPr marL="1371600" algn="l" defTabSz="914400" rtl="0" eaLnBrk="1" latinLnBrk="0" hangingPunct="1">
-        <a:defRPr sz="1800" kern="1200">
+      <a:lvl4pPr marL="1371555" algn="l" defTabSz="914370" rtl="0" eaLnBrk="1" latinLnBrk="0" hangingPunct="1">
+        <a:defRPr sz="1801" kern="1200">
           <a:solidFill>
             <a:schemeClr val="tx1"/>
           </a:solidFill>
@@ -3249,8 +3254,8 @@
           <a:cs typeface="+mn-cs"/>
         </a:defRPr>
       </a:lvl4pPr>
-      <a:lvl5pPr marL="1828800" algn="l" defTabSz="914400" rtl="0" eaLnBrk="1" latinLnBrk="0" hangingPunct="1">
-        <a:defRPr sz="1800" kern="1200">
+      <a:lvl5pPr marL="1828741" algn="l" defTabSz="914370" rtl="0" eaLnBrk="1" latinLnBrk="0" hangingPunct="1">
+        <a:defRPr sz="1801" kern="1200">
           <a:solidFill>
             <a:schemeClr val="tx1"/>
           </a:solidFill>
@@ -3259,8 +3264,8 @@
           <a:cs typeface="+mn-cs"/>
         </a:defRPr>
       </a:lvl5pPr>
-      <a:lvl6pPr marL="2286000" algn="l" defTabSz="914400" rtl="0" eaLnBrk="1" latinLnBrk="0" hangingPunct="1">
-        <a:defRPr sz="1800" kern="1200">
+      <a:lvl6pPr marL="2285926" algn="l" defTabSz="914370" rtl="0" eaLnBrk="1" latinLnBrk="0" hangingPunct="1">
+        <a:defRPr sz="1801" kern="1200">
           <a:solidFill>
             <a:schemeClr val="tx1"/>
           </a:solidFill>
@@ -3269,8 +3274,8 @@
           <a:cs typeface="+mn-cs"/>
         </a:defRPr>
       </a:lvl6pPr>
-      <a:lvl7pPr marL="2743200" algn="l" defTabSz="914400" rtl="0" eaLnBrk="1" latinLnBrk="0" hangingPunct="1">
-        <a:defRPr sz="1800" kern="1200">
+      <a:lvl7pPr marL="2743111" algn="l" defTabSz="914370" rtl="0" eaLnBrk="1" latinLnBrk="0" hangingPunct="1">
+        <a:defRPr sz="1801" kern="1200">
           <a:solidFill>
             <a:schemeClr val="tx1"/>
           </a:solidFill>
@@ -3279,8 +3284,8 @@
           <a:cs typeface="+mn-cs"/>
         </a:defRPr>
       </a:lvl7pPr>
-      <a:lvl8pPr marL="3200400" algn="l" defTabSz="914400" rtl="0" eaLnBrk="1" latinLnBrk="0" hangingPunct="1">
-        <a:defRPr sz="1800" kern="1200">
+      <a:lvl8pPr marL="3200296" algn="l" defTabSz="914370" rtl="0" eaLnBrk="1" latinLnBrk="0" hangingPunct="1">
+        <a:defRPr sz="1801" kern="1200">
           <a:solidFill>
             <a:schemeClr val="tx1"/>
           </a:solidFill>
@@ -3289,8 +3294,8 @@
           <a:cs typeface="+mn-cs"/>
         </a:defRPr>
       </a:lvl8pPr>
-      <a:lvl9pPr marL="3657600" algn="l" defTabSz="914400" rtl="0" eaLnBrk="1" latinLnBrk="0" hangingPunct="1">
-        <a:defRPr sz="1800" kern="1200">
+      <a:lvl9pPr marL="3657481" algn="l" defTabSz="914370" rtl="0" eaLnBrk="1" latinLnBrk="0" hangingPunct="1">
+        <a:defRPr sz="1801" kern="1200">
           <a:solidFill>
             <a:schemeClr val="tx1"/>
           </a:solidFill>
@@ -3335,8 +3340,8 @@
         </p:nvSpPr>
         <p:spPr>
           <a:xfrm>
-            <a:off x="2432807" y="3871682"/>
-            <a:ext cx="6736360" cy="369332"/>
+            <a:off x="2432809" y="4087324"/>
+            <a:ext cx="6736361" cy="369332"/>
           </a:xfrm>
           <a:prstGeom prst="rect">
             <a:avLst/>
@@ -3384,8 +3389,8 @@
         </p:nvSpPr>
         <p:spPr>
           <a:xfrm>
-            <a:off x="2432807" y="4410405"/>
-            <a:ext cx="6736360" cy="369332"/>
+            <a:off x="2432809" y="4970590"/>
+            <a:ext cx="6736361" cy="369332"/>
           </a:xfrm>
           <a:prstGeom prst="rect">
             <a:avLst/>
@@ -3414,7 +3419,23 @@
             <a:pPr algn="ctr"/>
             <a:r>
               <a:rPr lang="en-US" dirty="0"/>
-              <a:t>node software (hornet, bee)</a:t>
+              <a:t>node software (</a:t>
+            </a:r>
+            <a:r>
+              <a:rPr lang="en-US" b="1" dirty="0"/>
+              <a:t>hornet</a:t>
+            </a:r>
+            <a:r>
+              <a:rPr lang="en-US" dirty="0"/>
+              <a:t>,</a:t>
+            </a:r>
+            <a:r>
+              <a:rPr lang="en-US" b="1" dirty="0"/>
+              <a:t> bee</a:t>
+            </a:r>
+            <a:r>
+              <a:rPr lang="en-US" dirty="0"/>
+              <a:t>)</a:t>
             </a:r>
           </a:p>
         </p:txBody>
@@ -3433,8 +3454,8 @@
         </p:nvSpPr>
         <p:spPr>
           <a:xfrm>
-            <a:off x="2432807" y="3332959"/>
-            <a:ext cx="6736360" cy="369332"/>
+            <a:off x="2432810" y="3210695"/>
+            <a:ext cx="6736361" cy="369332"/>
           </a:xfrm>
           <a:prstGeom prst="rect">
             <a:avLst/>
@@ -3462,8 +3483,12 @@
           <a:p>
             <a:pPr algn="ctr"/>
             <a:r>
+              <a:rPr lang="en-US" b="1" dirty="0"/>
+              <a:t>iota.rs </a:t>
+            </a:r>
+            <a:r>
               <a:rPr lang="en-US" dirty="0"/>
-              <a:t>iota.rs (official client library)</a:t>
+              <a:t>(official client library)</a:t>
             </a:r>
           </a:p>
         </p:txBody>
@@ -3482,8 +3507,8 @@
         </p:nvSpPr>
         <p:spPr>
           <a:xfrm>
-            <a:off x="2432807" y="2517237"/>
-            <a:ext cx="3993160" cy="646331"/>
+            <a:off x="2432810" y="2298824"/>
+            <a:ext cx="3993161" cy="646331"/>
           </a:xfrm>
           <a:prstGeom prst="rect">
             <a:avLst/>
@@ -3511,7 +3536,7 @@
           <a:p>
             <a:pPr algn="ctr"/>
             <a:r>
-              <a:rPr lang="en-US" dirty="0"/>
+              <a:rPr lang="en-US" b="1" dirty="0"/>
               <a:t>stronghold.rs</a:t>
             </a:r>
             <a:br>
@@ -3538,8 +3563,8 @@
         </p:nvSpPr>
         <p:spPr>
           <a:xfrm>
-            <a:off x="6644082" y="2517237"/>
-            <a:ext cx="2525085" cy="646331"/>
+            <a:off x="6644083" y="2298826"/>
+            <a:ext cx="2525084" cy="646331"/>
           </a:xfrm>
           <a:prstGeom prst="rect">
             <a:avLst/>
@@ -3602,8 +3627,8 @@
         </p:nvSpPr>
         <p:spPr>
           <a:xfrm>
-            <a:off x="2432807" y="1978514"/>
-            <a:ext cx="6736360" cy="369332"/>
+            <a:off x="2432810" y="1663952"/>
+            <a:ext cx="6736361" cy="369332"/>
           </a:xfrm>
           <a:prstGeom prst="rect">
             <a:avLst/>
@@ -3631,8 +3656,12 @@
           <a:p>
             <a:pPr algn="ctr"/>
             <a:r>
+              <a:rPr lang="en-US" b="1" dirty="0"/>
+              <a:t>wallet.rs</a:t>
+            </a:r>
+            <a:r>
               <a:rPr lang="en-US" dirty="0"/>
-              <a:t>wallet.rs (official wallet library)</a:t>
+              <a:t> (official wallet library)</a:t>
             </a:r>
           </a:p>
         </p:txBody>
@@ -3651,7 +3680,7 @@
         </p:nvSpPr>
         <p:spPr>
           <a:xfrm>
-            <a:off x="2432807" y="1439791"/>
+            <a:off x="2432810" y="1029078"/>
             <a:ext cx="2256639" cy="369332"/>
           </a:xfrm>
           <a:prstGeom prst="rect">
@@ -3680,8 +3709,12 @@
           <a:p>
             <a:pPr algn="ctr"/>
             <a:r>
+              <a:rPr lang="en-US" b="1" dirty="0"/>
+              <a:t>node.js</a:t>
+            </a:r>
+            <a:r>
               <a:rPr lang="en-US" dirty="0"/>
-              <a:t>node.js binding</a:t>
+              <a:t> binding</a:t>
             </a:r>
           </a:p>
         </p:txBody>
@@ -3700,7 +3733,7 @@
         </p:nvSpPr>
         <p:spPr>
           <a:xfrm>
-            <a:off x="6912528" y="1439791"/>
+            <a:off x="6912531" y="1029078"/>
             <a:ext cx="2256639" cy="369332"/>
           </a:xfrm>
           <a:prstGeom prst="rect">
@@ -3729,8 +3762,12 @@
           <a:p>
             <a:pPr algn="ctr"/>
             <a:r>
+              <a:rPr lang="en-US" b="1" dirty="0"/>
+              <a:t>python</a:t>
+            </a:r>
+            <a:r>
               <a:rPr lang="en-US" dirty="0"/>
-              <a:t>python binding</a:t>
+              <a:t> binding</a:t>
             </a:r>
           </a:p>
         </p:txBody>
@@ -3749,8 +3786,8 @@
         </p:nvSpPr>
         <p:spPr>
           <a:xfrm>
-            <a:off x="2432807" y="4949128"/>
-            <a:ext cx="1451296" cy="369332"/>
+            <a:off x="2432809" y="5657359"/>
+            <a:ext cx="2525083" cy="369332"/>
           </a:xfrm>
           <a:prstGeom prst="rect">
             <a:avLst/>
@@ -3784,10 +3821,10 @@
           <a:p>
             <a:pPr algn="ctr"/>
             <a:r>
-              <a:rPr lang="en-US" dirty="0" err="1"/>
+              <a:rPr lang="en-US" b="1" dirty="0" err="1"/>
               <a:t>mainnet</a:t>
             </a:r>
-            <a:endParaRPr lang="en-US" dirty="0"/>
+            <a:endParaRPr lang="en-US" b="1" dirty="0"/>
           </a:p>
         </p:txBody>
       </p:sp>
@@ -3805,8 +3842,8 @@
         </p:nvSpPr>
         <p:spPr>
           <a:xfrm>
-            <a:off x="5075339" y="4949128"/>
-            <a:ext cx="1451296" cy="369332"/>
+            <a:off x="6644084" y="5657359"/>
+            <a:ext cx="2525084" cy="369332"/>
           </a:xfrm>
           <a:prstGeom prst="rect">
             <a:avLst/>
@@ -3840,19 +3877,73 @@
           <a:p>
             <a:pPr algn="ctr"/>
             <a:r>
-              <a:rPr lang="en-US" dirty="0" err="1"/>
+              <a:rPr lang="en-US" b="1" dirty="0" err="1"/>
               <a:t>devnet</a:t>
             </a:r>
-            <a:endParaRPr lang="en-US" dirty="0"/>
-          </a:p>
-        </p:txBody>
-      </p:sp>
-      <p:sp>
-        <p:nvSpPr>
-          <p:cNvPr id="15" name="TextBox 14">
-            <a:extLst>
-              <a:ext uri="{FF2B5EF4-FFF2-40B4-BE49-F238E27FC236}">
-                <a16:creationId xmlns:a16="http://schemas.microsoft.com/office/drawing/2014/main" id="{908A4490-3A7A-4492-AC6C-357087E930D2}"/>
+            <a:endParaRPr lang="en-US" b="1" dirty="0"/>
+          </a:p>
+        </p:txBody>
+      </p:sp>
+      <p:sp>
+        <p:nvSpPr>
+          <p:cNvPr id="2" name="Rectangle 1">
+            <a:extLst>
+              <a:ext uri="{FF2B5EF4-FFF2-40B4-BE49-F238E27FC236}">
+                <a16:creationId xmlns:a16="http://schemas.microsoft.com/office/drawing/2014/main" id="{85EC85E6-A5F7-445B-B95C-D79E111715B7}"/>
+              </a:ext>
+            </a:extLst>
+          </p:cNvPr>
+          <p:cNvSpPr/>
+          <p:nvPr/>
+        </p:nvSpPr>
+        <p:spPr>
+          <a:xfrm>
+            <a:off x="2016728" y="4757442"/>
+            <a:ext cx="7471227" cy="1465746"/>
+          </a:xfrm>
+          <a:prstGeom prst="rect">
+            <a:avLst/>
+          </a:prstGeom>
+          <a:noFill/>
+          <a:ln w="19050" cap="flat" cmpd="sng" algn="ctr">
+            <a:solidFill>
+              <a:schemeClr val="accent3"/>
+            </a:solidFill>
+            <a:prstDash val="dash"/>
+            <a:round/>
+            <a:headEnd type="none" w="med" len="med"/>
+            <a:tailEnd type="none" w="med" len="med"/>
+          </a:ln>
+        </p:spPr>
+        <p:style>
+          <a:lnRef idx="0">
+            <a:scrgbClr r="0" g="0" b="0"/>
+          </a:lnRef>
+          <a:fillRef idx="0">
+            <a:scrgbClr r="0" g="0" b="0"/>
+          </a:fillRef>
+          <a:effectRef idx="0">
+            <a:scrgbClr r="0" g="0" b="0"/>
+          </a:effectRef>
+          <a:fontRef idx="minor">
+            <a:schemeClr val="accent3"/>
+          </a:fontRef>
+        </p:style>
+        <p:txBody>
+          <a:bodyPr rtlCol="0" anchor="ctr"/>
+          <a:lstStyle/>
+          <a:p>
+            <a:pPr algn="ctr"/>
+            <a:endParaRPr lang="en-US"/>
+          </a:p>
+        </p:txBody>
+      </p:sp>
+      <p:sp>
+        <p:nvSpPr>
+          <p:cNvPr id="3" name="TextBox 2">
+            <a:extLst>
+              <a:ext uri="{FF2B5EF4-FFF2-40B4-BE49-F238E27FC236}">
+                <a16:creationId xmlns:a16="http://schemas.microsoft.com/office/drawing/2014/main" id="{BAAC3CC1-36B2-4203-AA90-E145FC1E5A1C}"/>
               </a:ext>
             </a:extLst>
           </p:cNvPr>
@@ -3860,29 +3951,31 @@
           <p:nvPr/>
         </p:nvSpPr>
         <p:spPr>
-          <a:xfrm>
-            <a:off x="7315199" y="4949128"/>
-            <a:ext cx="1853968" cy="369332"/>
+          <a:xfrm rot="16200000">
+            <a:off x="1075810" y="5321033"/>
+            <a:ext cx="1465746" cy="338554"/>
           </a:xfrm>
           <a:prstGeom prst="rect">
             <a:avLst/>
           </a:prstGeom>
           <a:solidFill>
-            <a:schemeClr val="accent6">
-              <a:lumMod val="60000"/>
-              <a:lumOff val="40000"/>
+            <a:schemeClr val="dk1">
+              <a:alpha val="30000"/>
             </a:schemeClr>
           </a:solidFill>
+          <a:ln>
+            <a:noFill/>
+          </a:ln>
         </p:spPr>
         <p:style>
           <a:lnRef idx="0">
-            <a:schemeClr val="accent5"/>
+            <a:scrgbClr r="0" g="0" b="0"/>
           </a:lnRef>
-          <a:fillRef idx="3">
-            <a:schemeClr val="accent5"/>
+          <a:fillRef idx="0">
+            <a:scrgbClr r="0" g="0" b="0"/>
           </a:fillRef>
-          <a:effectRef idx="3">
-            <a:schemeClr val="accent5"/>
+          <a:effectRef idx="0">
+            <a:scrgbClr r="0" g="0" b="0"/>
           </a:effectRef>
           <a:fontRef idx="minor">
             <a:schemeClr val="lt1"/>
@@ -3896,14 +3989,120 @@
           <a:p>
             <a:pPr algn="ctr"/>
             <a:r>
-              <a:rPr lang="en-US" dirty="0"/>
-              <a:t>chrysalis </a:t>
-            </a:r>
-            <a:r>
-              <a:rPr lang="en-US" dirty="0" err="1"/>
-              <a:t>testnet</a:t>
-            </a:r>
-            <a:endParaRPr lang="en-US" dirty="0"/>
+              <a:rPr lang="en-US" sz="1600" dirty="0"/>
+              <a:t>iota network</a:t>
+            </a:r>
+          </a:p>
+        </p:txBody>
+      </p:sp>
+      <p:sp>
+        <p:nvSpPr>
+          <p:cNvPr id="16" name="Rectangle 15">
+            <a:extLst>
+              <a:ext uri="{FF2B5EF4-FFF2-40B4-BE49-F238E27FC236}">
+                <a16:creationId xmlns:a16="http://schemas.microsoft.com/office/drawing/2014/main" id="{FBFB6563-C67E-441B-979D-03589BA4A911}"/>
+              </a:ext>
+            </a:extLst>
+          </p:cNvPr>
+          <p:cNvSpPr/>
+          <p:nvPr/>
+        </p:nvSpPr>
+        <p:spPr>
+          <a:xfrm>
+            <a:off x="2016728" y="781050"/>
+            <a:ext cx="7519877" cy="3005938"/>
+          </a:xfrm>
+          <a:prstGeom prst="rect">
+            <a:avLst/>
+          </a:prstGeom>
+          <a:noFill/>
+          <a:ln w="19050" cap="flat" cmpd="sng" algn="ctr">
+            <a:solidFill>
+              <a:schemeClr val="accent3"/>
+            </a:solidFill>
+            <a:prstDash val="dash"/>
+            <a:round/>
+            <a:headEnd type="none" w="med" len="med"/>
+            <a:tailEnd type="none" w="med" len="med"/>
+          </a:ln>
+        </p:spPr>
+        <p:style>
+          <a:lnRef idx="0">
+            <a:scrgbClr r="0" g="0" b="0"/>
+          </a:lnRef>
+          <a:fillRef idx="0">
+            <a:scrgbClr r="0" g="0" b="0"/>
+          </a:fillRef>
+          <a:effectRef idx="0">
+            <a:scrgbClr r="0" g="0" b="0"/>
+          </a:effectRef>
+          <a:fontRef idx="minor">
+            <a:schemeClr val="accent3"/>
+          </a:fontRef>
+        </p:style>
+        <p:txBody>
+          <a:bodyPr rtlCol="0" anchor="ctr"/>
+          <a:lstStyle/>
+          <a:p>
+            <a:pPr algn="ctr"/>
+            <a:endParaRPr lang="en-US"/>
+          </a:p>
+        </p:txBody>
+      </p:sp>
+      <p:sp>
+        <p:nvSpPr>
+          <p:cNvPr id="17" name="TextBox 16">
+            <a:extLst>
+              <a:ext uri="{FF2B5EF4-FFF2-40B4-BE49-F238E27FC236}">
+                <a16:creationId xmlns:a16="http://schemas.microsoft.com/office/drawing/2014/main" id="{7FC7E2F8-2580-40C5-9DE2-7C3A59D97DE0}"/>
+              </a:ext>
+            </a:extLst>
+          </p:cNvPr>
+          <p:cNvSpPr txBox="1"/>
+          <p:nvPr/>
+        </p:nvSpPr>
+        <p:spPr>
+          <a:xfrm rot="16200000">
+            <a:off x="305713" y="2114741"/>
+            <a:ext cx="3005938" cy="338554"/>
+          </a:xfrm>
+          <a:prstGeom prst="rect">
+            <a:avLst/>
+          </a:prstGeom>
+          <a:solidFill>
+            <a:schemeClr val="dk1">
+              <a:alpha val="30000"/>
+            </a:schemeClr>
+          </a:solidFill>
+          <a:ln>
+            <a:noFill/>
+          </a:ln>
+        </p:spPr>
+        <p:style>
+          <a:lnRef idx="0">
+            <a:scrgbClr r="0" g="0" b="0"/>
+          </a:lnRef>
+          <a:fillRef idx="0">
+            <a:scrgbClr r="0" g="0" b="0"/>
+          </a:fillRef>
+          <a:effectRef idx="0">
+            <a:scrgbClr r="0" g="0" b="0"/>
+          </a:effectRef>
+          <a:fontRef idx="minor">
+            <a:schemeClr val="lt1"/>
+          </a:fontRef>
+        </p:style>
+        <p:txBody>
+          <a:bodyPr wrap="square" rtlCol="0">
+            <a:spAutoFit/>
+          </a:bodyPr>
+          <a:lstStyle/>
+          <a:p>
+            <a:pPr algn="ctr"/>
+            <a:r>
+              <a:rPr lang="en-US" sz="1600" dirty="0"/>
+              <a:t>application</a:t>
+            </a:r>
           </a:p>
         </p:txBody>
       </p:sp>
@@ -3923,7 +4122,7 @@
 <file path=ppt/theme/theme1.xml><?xml version="1.0" encoding="utf-8"?>
 <a:theme xmlns:a="http://schemas.openxmlformats.org/drawingml/2006/main" name="Office Theme">
   <a:themeElements>
-    <a:clrScheme name="Office">
+    <a:clrScheme name="Median">
       <a:dk1>
         <a:sysClr val="windowText" lastClr="000000"/>
       </a:dk1>
@@ -3931,34 +4130,34 @@
         <a:sysClr val="window" lastClr="FFFFFF"/>
       </a:lt1>
       <a:dk2>
-        <a:srgbClr val="44546A"/>
+        <a:srgbClr val="775F55"/>
       </a:dk2>
       <a:lt2>
-        <a:srgbClr val="E7E6E6"/>
+        <a:srgbClr val="EBDDC3"/>
       </a:lt2>
       <a:accent1>
-        <a:srgbClr val="4472C4"/>
+        <a:srgbClr val="94B6D2"/>
       </a:accent1>
       <a:accent2>
-        <a:srgbClr val="ED7D31"/>
+        <a:srgbClr val="DD8047"/>
       </a:accent2>
       <a:accent3>
-        <a:srgbClr val="A5A5A5"/>
+        <a:srgbClr val="A5AB81"/>
       </a:accent3>
       <a:accent4>
-        <a:srgbClr val="FFC000"/>
+        <a:srgbClr val="D8B25C"/>
       </a:accent4>
       <a:accent5>
-        <a:srgbClr val="5B9BD5"/>
+        <a:srgbClr val="7BA79D"/>
       </a:accent5>
       <a:accent6>
-        <a:srgbClr val="70AD47"/>
+        <a:srgbClr val="968C8C"/>
       </a:accent6>
       <a:hlink>
-        <a:srgbClr val="0563C1"/>
+        <a:srgbClr val="F7B615"/>
       </a:hlink>
       <a:folHlink>
-        <a:srgbClr val="954F72"/>
+        <a:srgbClr val="704404"/>
       </a:folHlink>
     </a:clrScheme>
     <a:fontScheme name="Office">

--- a/docs/charts.pptx
+++ b/docs/charts.pptx
@@ -6,6 +6,7 @@
   </p:sldMasterIdLst>
   <p:sldIdLst>
     <p:sldId id="256" r:id="rId2"/>
+    <p:sldId id="257" r:id="rId3"/>
   </p:sldIdLst>
   <p:sldSz cx="12192000" cy="6858000"/>
   <p:notesSz cx="6858000" cy="9144000"/>
@@ -259,7 +260,7 @@
           <a:p>
             <a:fld id="{58537782-5515-4277-8890-BE805010C87F}" type="datetimeFigureOut">
               <a:rPr lang="en-US" smtClean="0"/>
-              <a:t>3/3/2021</a:t>
+              <a:t>3/4/2021</a:t>
             </a:fld>
             <a:endParaRPr lang="en-US"/>
           </a:p>
@@ -457,7 +458,7 @@
           <a:p>
             <a:fld id="{58537782-5515-4277-8890-BE805010C87F}" type="datetimeFigureOut">
               <a:rPr lang="en-US" smtClean="0"/>
-              <a:t>3/3/2021</a:t>
+              <a:t>3/4/2021</a:t>
             </a:fld>
             <a:endParaRPr lang="en-US"/>
           </a:p>
@@ -665,7 +666,7 @@
           <a:p>
             <a:fld id="{58537782-5515-4277-8890-BE805010C87F}" type="datetimeFigureOut">
               <a:rPr lang="en-US" smtClean="0"/>
-              <a:t>3/3/2021</a:t>
+              <a:t>3/4/2021</a:t>
             </a:fld>
             <a:endParaRPr lang="en-US"/>
           </a:p>
@@ -863,7 +864,7 @@
           <a:p>
             <a:fld id="{58537782-5515-4277-8890-BE805010C87F}" type="datetimeFigureOut">
               <a:rPr lang="en-US" smtClean="0"/>
-              <a:t>3/3/2021</a:t>
+              <a:t>3/4/2021</a:t>
             </a:fld>
             <a:endParaRPr lang="en-US"/>
           </a:p>
@@ -1138,7 +1139,7 @@
           <a:p>
             <a:fld id="{58537782-5515-4277-8890-BE805010C87F}" type="datetimeFigureOut">
               <a:rPr lang="en-US" smtClean="0"/>
-              <a:t>3/3/2021</a:t>
+              <a:t>3/4/2021</a:t>
             </a:fld>
             <a:endParaRPr lang="en-US"/>
           </a:p>
@@ -1403,7 +1404,7 @@
           <a:p>
             <a:fld id="{58537782-5515-4277-8890-BE805010C87F}" type="datetimeFigureOut">
               <a:rPr lang="en-US" smtClean="0"/>
-              <a:t>3/3/2021</a:t>
+              <a:t>3/4/2021</a:t>
             </a:fld>
             <a:endParaRPr lang="en-US"/>
           </a:p>
@@ -1815,7 +1816,7 @@
           <a:p>
             <a:fld id="{58537782-5515-4277-8890-BE805010C87F}" type="datetimeFigureOut">
               <a:rPr lang="en-US" smtClean="0"/>
-              <a:t>3/3/2021</a:t>
+              <a:t>3/4/2021</a:t>
             </a:fld>
             <a:endParaRPr lang="en-US"/>
           </a:p>
@@ -1956,7 +1957,7 @@
           <a:p>
             <a:fld id="{58537782-5515-4277-8890-BE805010C87F}" type="datetimeFigureOut">
               <a:rPr lang="en-US" smtClean="0"/>
-              <a:t>3/3/2021</a:t>
+              <a:t>3/4/2021</a:t>
             </a:fld>
             <a:endParaRPr lang="en-US"/>
           </a:p>
@@ -2069,7 +2070,7 @@
           <a:p>
             <a:fld id="{58537782-5515-4277-8890-BE805010C87F}" type="datetimeFigureOut">
               <a:rPr lang="en-US" smtClean="0"/>
-              <a:t>3/3/2021</a:t>
+              <a:t>3/4/2021</a:t>
             </a:fld>
             <a:endParaRPr lang="en-US"/>
           </a:p>
@@ -2380,7 +2381,7 @@
           <a:p>
             <a:fld id="{58537782-5515-4277-8890-BE805010C87F}" type="datetimeFigureOut">
               <a:rPr lang="en-US" smtClean="0"/>
-              <a:t>3/3/2021</a:t>
+              <a:t>3/4/2021</a:t>
             </a:fld>
             <a:endParaRPr lang="en-US"/>
           </a:p>
@@ -2668,7 +2669,7 @@
           <a:p>
             <a:fld id="{58537782-5515-4277-8890-BE805010C87F}" type="datetimeFigureOut">
               <a:rPr lang="en-US" smtClean="0"/>
-              <a:t>3/3/2021</a:t>
+              <a:t>3/4/2021</a:t>
             </a:fld>
             <a:endParaRPr lang="en-US"/>
           </a:p>
@@ -2909,7 +2910,7 @@
           <a:p>
             <a:fld id="{58537782-5515-4277-8890-BE805010C87F}" type="datetimeFigureOut">
               <a:rPr lang="en-US" smtClean="0"/>
-              <a:t>3/3/2021</a:t>
+              <a:t>3/4/2021</a:t>
             </a:fld>
             <a:endParaRPr lang="en-US"/>
           </a:p>
@@ -4119,6 +4120,887 @@
 </p:sld>
 </file>
 
+<file path=ppt/slides/slide2.xml><?xml version="1.0" encoding="utf-8"?>
+<p:sld xmlns:a="http://schemas.openxmlformats.org/drawingml/2006/main" xmlns:r="http://schemas.openxmlformats.org/officeDocument/2006/relationships" xmlns:p="http://schemas.openxmlformats.org/presentationml/2006/main">
+  <p:cSld>
+    <p:spTree>
+      <p:nvGrpSpPr>
+        <p:cNvPr id="1" name=""/>
+        <p:cNvGrpSpPr/>
+        <p:nvPr/>
+      </p:nvGrpSpPr>
+      <p:grpSpPr>
+        <a:xfrm>
+          <a:off x="0" y="0"/>
+          <a:ext cx="0" cy="0"/>
+          <a:chOff x="0" y="0"/>
+          <a:chExt cx="0" cy="0"/>
+        </a:xfrm>
+      </p:grpSpPr>
+      <p:cxnSp>
+        <p:nvCxnSpPr>
+          <p:cNvPr id="15" name="Straight Arrow Connector 14">
+            <a:extLst>
+              <a:ext uri="{FF2B5EF4-FFF2-40B4-BE49-F238E27FC236}">
+                <a16:creationId xmlns:a16="http://schemas.microsoft.com/office/drawing/2014/main" id="{278F63D8-5270-4C57-8E75-9D195F10421C}"/>
+              </a:ext>
+            </a:extLst>
+          </p:cNvPr>
+          <p:cNvCxnSpPr>
+            <a:stCxn id="11" idx="0"/>
+            <a:endCxn id="9" idx="2"/>
+          </p:cNvCxnSpPr>
+          <p:nvPr/>
+        </p:nvCxnSpPr>
+        <p:spPr>
+          <a:xfrm flipV="1">
+            <a:off x="2724583" y="927186"/>
+            <a:ext cx="3118351" cy="400861"/>
+          </a:xfrm>
+          <a:prstGeom prst="straightConnector1">
+            <a:avLst/>
+          </a:prstGeom>
+          <a:ln w="28575">
+            <a:prstDash val="dash"/>
+            <a:tailEnd type="triangle"/>
+          </a:ln>
+          <a:effectLst>
+            <a:outerShdw blurRad="50800" dist="38100" dir="2700000" algn="tl" rotWithShape="0">
+              <a:prstClr val="black">
+                <a:alpha val="40000"/>
+              </a:prstClr>
+            </a:outerShdw>
+          </a:effectLst>
+        </p:spPr>
+        <p:style>
+          <a:lnRef idx="3">
+            <a:schemeClr val="accent6"/>
+          </a:lnRef>
+          <a:fillRef idx="0">
+            <a:schemeClr val="accent6"/>
+          </a:fillRef>
+          <a:effectRef idx="2">
+            <a:schemeClr val="accent6"/>
+          </a:effectRef>
+          <a:fontRef idx="minor">
+            <a:schemeClr val="tx1"/>
+          </a:fontRef>
+        </p:style>
+      </p:cxnSp>
+      <p:cxnSp>
+        <p:nvCxnSpPr>
+          <p:cNvPr id="25" name="Straight Arrow Connector 24">
+            <a:extLst>
+              <a:ext uri="{FF2B5EF4-FFF2-40B4-BE49-F238E27FC236}">
+                <a16:creationId xmlns:a16="http://schemas.microsoft.com/office/drawing/2014/main" id="{63D23E90-AFCC-4F28-B2F3-2AC1DB22F8A7}"/>
+              </a:ext>
+            </a:extLst>
+          </p:cNvPr>
+          <p:cNvCxnSpPr>
+            <a:cxnSpLocks/>
+            <a:stCxn id="4" idx="0"/>
+            <a:endCxn id="11" idx="2"/>
+          </p:cNvCxnSpPr>
+          <p:nvPr/>
+        </p:nvCxnSpPr>
+        <p:spPr>
+          <a:xfrm flipV="1">
+            <a:off x="1202568" y="1697379"/>
+            <a:ext cx="1522015" cy="513788"/>
+          </a:xfrm>
+          <a:prstGeom prst="straightConnector1">
+            <a:avLst/>
+          </a:prstGeom>
+          <a:ln w="28575">
+            <a:prstDash val="dash"/>
+            <a:tailEnd type="triangle"/>
+          </a:ln>
+          <a:effectLst>
+            <a:outerShdw blurRad="50800" dist="38100" dir="2700000" algn="tl" rotWithShape="0">
+              <a:prstClr val="black">
+                <a:alpha val="40000"/>
+              </a:prstClr>
+            </a:outerShdw>
+          </a:effectLst>
+        </p:spPr>
+        <p:style>
+          <a:lnRef idx="3">
+            <a:schemeClr val="accent6"/>
+          </a:lnRef>
+          <a:fillRef idx="0">
+            <a:schemeClr val="accent6"/>
+          </a:fillRef>
+          <a:effectRef idx="2">
+            <a:schemeClr val="accent6"/>
+          </a:effectRef>
+          <a:fontRef idx="minor">
+            <a:schemeClr val="tx1"/>
+          </a:fontRef>
+        </p:style>
+      </p:cxnSp>
+      <p:cxnSp>
+        <p:nvCxnSpPr>
+          <p:cNvPr id="28" name="Straight Arrow Connector 27">
+            <a:extLst>
+              <a:ext uri="{FF2B5EF4-FFF2-40B4-BE49-F238E27FC236}">
+                <a16:creationId xmlns:a16="http://schemas.microsoft.com/office/drawing/2014/main" id="{B214DDFE-9FE8-41C9-BDF8-8CF6006B599A}"/>
+              </a:ext>
+            </a:extLst>
+          </p:cNvPr>
+          <p:cNvCxnSpPr>
+            <a:cxnSpLocks/>
+            <a:stCxn id="19" idx="0"/>
+            <a:endCxn id="11" idx="2"/>
+          </p:cNvCxnSpPr>
+          <p:nvPr/>
+        </p:nvCxnSpPr>
+        <p:spPr>
+          <a:xfrm flipH="1" flipV="1">
+            <a:off x="2724583" y="1697379"/>
+            <a:ext cx="1128319" cy="513788"/>
+          </a:xfrm>
+          <a:prstGeom prst="straightConnector1">
+            <a:avLst/>
+          </a:prstGeom>
+          <a:ln w="28575">
+            <a:prstDash val="dash"/>
+            <a:tailEnd type="triangle"/>
+          </a:ln>
+          <a:effectLst>
+            <a:outerShdw blurRad="50800" dist="38100" dir="2700000" algn="tl" rotWithShape="0">
+              <a:prstClr val="black">
+                <a:alpha val="40000"/>
+              </a:prstClr>
+            </a:outerShdw>
+          </a:effectLst>
+        </p:spPr>
+        <p:style>
+          <a:lnRef idx="3">
+            <a:schemeClr val="accent6"/>
+          </a:lnRef>
+          <a:fillRef idx="0">
+            <a:schemeClr val="accent6"/>
+          </a:fillRef>
+          <a:effectRef idx="2">
+            <a:schemeClr val="accent6"/>
+          </a:effectRef>
+          <a:fontRef idx="minor">
+            <a:schemeClr val="tx1"/>
+          </a:fontRef>
+        </p:style>
+      </p:cxnSp>
+      <p:cxnSp>
+        <p:nvCxnSpPr>
+          <p:cNvPr id="31" name="Straight Arrow Connector 30">
+            <a:extLst>
+              <a:ext uri="{FF2B5EF4-FFF2-40B4-BE49-F238E27FC236}">
+                <a16:creationId xmlns:a16="http://schemas.microsoft.com/office/drawing/2014/main" id="{15E572E1-4293-42A9-B4A2-B378DB88409A}"/>
+              </a:ext>
+            </a:extLst>
+          </p:cNvPr>
+          <p:cNvCxnSpPr>
+            <a:cxnSpLocks/>
+            <a:stCxn id="24" idx="0"/>
+            <a:endCxn id="18" idx="2"/>
+          </p:cNvCxnSpPr>
+          <p:nvPr/>
+        </p:nvCxnSpPr>
+        <p:spPr>
+          <a:xfrm flipH="1" flipV="1">
+            <a:off x="9310956" y="1697379"/>
+            <a:ext cx="1459461" cy="513788"/>
+          </a:xfrm>
+          <a:prstGeom prst="straightConnector1">
+            <a:avLst/>
+          </a:prstGeom>
+          <a:ln w="28575">
+            <a:prstDash val="dash"/>
+            <a:tailEnd type="triangle"/>
+          </a:ln>
+          <a:effectLst>
+            <a:outerShdw blurRad="50800" dist="38100" dir="2700000" algn="tl" rotWithShape="0">
+              <a:prstClr val="black">
+                <a:alpha val="40000"/>
+              </a:prstClr>
+            </a:outerShdw>
+          </a:effectLst>
+        </p:spPr>
+        <p:style>
+          <a:lnRef idx="3">
+            <a:schemeClr val="accent6"/>
+          </a:lnRef>
+          <a:fillRef idx="0">
+            <a:schemeClr val="accent6"/>
+          </a:fillRef>
+          <a:effectRef idx="2">
+            <a:schemeClr val="accent6"/>
+          </a:effectRef>
+          <a:fontRef idx="minor">
+            <a:schemeClr val="tx1"/>
+          </a:fontRef>
+        </p:style>
+      </p:cxnSp>
+      <p:cxnSp>
+        <p:nvCxnSpPr>
+          <p:cNvPr id="34" name="Straight Arrow Connector 33">
+            <a:extLst>
+              <a:ext uri="{FF2B5EF4-FFF2-40B4-BE49-F238E27FC236}">
+                <a16:creationId xmlns:a16="http://schemas.microsoft.com/office/drawing/2014/main" id="{9FBF929B-3D4E-41B0-B39C-0B7294162466}"/>
+              </a:ext>
+            </a:extLst>
+          </p:cNvPr>
+          <p:cNvCxnSpPr>
+            <a:cxnSpLocks/>
+            <a:stCxn id="20" idx="0"/>
+            <a:endCxn id="18" idx="2"/>
+          </p:cNvCxnSpPr>
+          <p:nvPr/>
+        </p:nvCxnSpPr>
+        <p:spPr>
+          <a:xfrm flipV="1">
+            <a:off x="7511190" y="1697379"/>
+            <a:ext cx="1799766" cy="513788"/>
+          </a:xfrm>
+          <a:prstGeom prst="straightConnector1">
+            <a:avLst/>
+          </a:prstGeom>
+          <a:ln w="28575">
+            <a:prstDash val="dash"/>
+            <a:tailEnd type="triangle"/>
+          </a:ln>
+          <a:effectLst>
+            <a:outerShdw blurRad="50800" dist="38100" dir="2700000" algn="tl" rotWithShape="0">
+              <a:prstClr val="black">
+                <a:alpha val="40000"/>
+              </a:prstClr>
+            </a:outerShdw>
+          </a:effectLst>
+        </p:spPr>
+        <p:style>
+          <a:lnRef idx="3">
+            <a:schemeClr val="accent6"/>
+          </a:lnRef>
+          <a:fillRef idx="0">
+            <a:schemeClr val="accent6"/>
+          </a:fillRef>
+          <a:effectRef idx="2">
+            <a:schemeClr val="accent6"/>
+          </a:effectRef>
+          <a:fontRef idx="minor">
+            <a:schemeClr val="tx1"/>
+          </a:fontRef>
+        </p:style>
+      </p:cxnSp>
+      <p:cxnSp>
+        <p:nvCxnSpPr>
+          <p:cNvPr id="37" name="Straight Arrow Connector 36">
+            <a:extLst>
+              <a:ext uri="{FF2B5EF4-FFF2-40B4-BE49-F238E27FC236}">
+                <a16:creationId xmlns:a16="http://schemas.microsoft.com/office/drawing/2014/main" id="{2A98966E-C76A-4939-9A36-AAD728C2D5A9}"/>
+              </a:ext>
+            </a:extLst>
+          </p:cNvPr>
+          <p:cNvCxnSpPr>
+            <a:cxnSpLocks/>
+            <a:stCxn id="22" idx="0"/>
+            <a:endCxn id="20" idx="2"/>
+          </p:cNvCxnSpPr>
+          <p:nvPr/>
+        </p:nvCxnSpPr>
+        <p:spPr>
+          <a:xfrm flipV="1">
+            <a:off x="6601387" y="2580499"/>
+            <a:ext cx="909803" cy="479169"/>
+          </a:xfrm>
+          <a:prstGeom prst="straightConnector1">
+            <a:avLst/>
+          </a:prstGeom>
+          <a:ln w="28575">
+            <a:prstDash val="dash"/>
+            <a:tailEnd type="triangle"/>
+          </a:ln>
+          <a:effectLst>
+            <a:outerShdw blurRad="50800" dist="38100" dir="2700000" algn="tl" rotWithShape="0">
+              <a:prstClr val="black">
+                <a:alpha val="40000"/>
+              </a:prstClr>
+            </a:outerShdw>
+          </a:effectLst>
+        </p:spPr>
+        <p:style>
+          <a:lnRef idx="3">
+            <a:schemeClr val="accent6"/>
+          </a:lnRef>
+          <a:fillRef idx="0">
+            <a:schemeClr val="accent6"/>
+          </a:fillRef>
+          <a:effectRef idx="2">
+            <a:schemeClr val="accent6"/>
+          </a:effectRef>
+          <a:fontRef idx="minor">
+            <a:schemeClr val="tx1"/>
+          </a:fontRef>
+        </p:style>
+      </p:cxnSp>
+      <p:cxnSp>
+        <p:nvCxnSpPr>
+          <p:cNvPr id="39" name="Straight Arrow Connector 38">
+            <a:extLst>
+              <a:ext uri="{FF2B5EF4-FFF2-40B4-BE49-F238E27FC236}">
+                <a16:creationId xmlns:a16="http://schemas.microsoft.com/office/drawing/2014/main" id="{E3B384A1-2DF3-45D0-9307-165C435B6180}"/>
+              </a:ext>
+            </a:extLst>
+          </p:cNvPr>
+          <p:cNvCxnSpPr>
+            <a:cxnSpLocks/>
+            <a:stCxn id="23" idx="0"/>
+            <a:endCxn id="20" idx="2"/>
+          </p:cNvCxnSpPr>
+          <p:nvPr/>
+        </p:nvCxnSpPr>
+        <p:spPr>
+          <a:xfrm flipH="1" flipV="1">
+            <a:off x="7511190" y="2580499"/>
+            <a:ext cx="1031502" cy="479169"/>
+          </a:xfrm>
+          <a:prstGeom prst="straightConnector1">
+            <a:avLst/>
+          </a:prstGeom>
+          <a:ln w="28575">
+            <a:prstDash val="dash"/>
+            <a:tailEnd type="triangle"/>
+          </a:ln>
+          <a:effectLst>
+            <a:outerShdw blurRad="50800" dist="38100" dir="2700000" algn="tl" rotWithShape="0">
+              <a:prstClr val="black">
+                <a:alpha val="40000"/>
+              </a:prstClr>
+            </a:outerShdw>
+          </a:effectLst>
+        </p:spPr>
+        <p:style>
+          <a:lnRef idx="3">
+            <a:schemeClr val="accent6"/>
+          </a:lnRef>
+          <a:fillRef idx="0">
+            <a:schemeClr val="accent6"/>
+          </a:fillRef>
+          <a:effectRef idx="2">
+            <a:schemeClr val="accent6"/>
+          </a:effectRef>
+          <a:fontRef idx="minor">
+            <a:schemeClr val="tx1"/>
+          </a:fontRef>
+        </p:style>
+      </p:cxnSp>
+      <p:sp>
+        <p:nvSpPr>
+          <p:cNvPr id="11" name="TextBox 10">
+            <a:extLst>
+              <a:ext uri="{FF2B5EF4-FFF2-40B4-BE49-F238E27FC236}">
+                <a16:creationId xmlns:a16="http://schemas.microsoft.com/office/drawing/2014/main" id="{EDBE72D9-4ADA-404F-B2A9-AC392DED5B22}"/>
+              </a:ext>
+            </a:extLst>
+          </p:cNvPr>
+          <p:cNvSpPr txBox="1"/>
+          <p:nvPr/>
+        </p:nvSpPr>
+        <p:spPr>
+          <a:xfrm>
+            <a:off x="1596263" y="1328047"/>
+            <a:ext cx="2256639" cy="369332"/>
+          </a:xfrm>
+          <a:prstGeom prst="rect">
+            <a:avLst/>
+          </a:prstGeom>
+        </p:spPr>
+        <p:style>
+          <a:lnRef idx="0">
+            <a:schemeClr val="accent4"/>
+          </a:lnRef>
+          <a:fillRef idx="3">
+            <a:schemeClr val="accent4"/>
+          </a:fillRef>
+          <a:effectRef idx="3">
+            <a:schemeClr val="accent4"/>
+          </a:effectRef>
+          <a:fontRef idx="minor">
+            <a:schemeClr val="lt1"/>
+          </a:fontRef>
+        </p:style>
+        <p:txBody>
+          <a:bodyPr wrap="square" rtlCol="0">
+            <a:spAutoFit/>
+          </a:bodyPr>
+          <a:lstStyle/>
+          <a:p>
+            <a:pPr algn="ctr"/>
+            <a:r>
+              <a:rPr lang="en-US" b="1" dirty="0"/>
+              <a:t>account 1</a:t>
+            </a:r>
+            <a:endParaRPr lang="en-US" dirty="0"/>
+          </a:p>
+        </p:txBody>
+      </p:sp>
+      <p:sp>
+        <p:nvSpPr>
+          <p:cNvPr id="18" name="TextBox 17">
+            <a:extLst>
+              <a:ext uri="{FF2B5EF4-FFF2-40B4-BE49-F238E27FC236}">
+                <a16:creationId xmlns:a16="http://schemas.microsoft.com/office/drawing/2014/main" id="{8544099C-F5D4-4271-A7FE-56F40EB4DAE9}"/>
+              </a:ext>
+            </a:extLst>
+          </p:cNvPr>
+          <p:cNvSpPr txBox="1"/>
+          <p:nvPr/>
+        </p:nvSpPr>
+        <p:spPr>
+          <a:xfrm>
+            <a:off x="8182636" y="1328047"/>
+            <a:ext cx="2256639" cy="369332"/>
+          </a:xfrm>
+          <a:prstGeom prst="rect">
+            <a:avLst/>
+          </a:prstGeom>
+        </p:spPr>
+        <p:style>
+          <a:lnRef idx="0">
+            <a:schemeClr val="accent4"/>
+          </a:lnRef>
+          <a:fillRef idx="3">
+            <a:schemeClr val="accent4"/>
+          </a:fillRef>
+          <a:effectRef idx="3">
+            <a:schemeClr val="accent4"/>
+          </a:effectRef>
+          <a:fontRef idx="minor">
+            <a:schemeClr val="lt1"/>
+          </a:fontRef>
+        </p:style>
+        <p:txBody>
+          <a:bodyPr wrap="square" rtlCol="0">
+            <a:spAutoFit/>
+          </a:bodyPr>
+          <a:lstStyle/>
+          <a:p>
+            <a:pPr algn="ctr"/>
+            <a:r>
+              <a:rPr lang="en-US" b="1" dirty="0"/>
+              <a:t>account 2</a:t>
+            </a:r>
+            <a:endParaRPr lang="en-US" dirty="0"/>
+          </a:p>
+        </p:txBody>
+      </p:sp>
+      <p:sp>
+        <p:nvSpPr>
+          <p:cNvPr id="4" name="TextBox 3">
+            <a:extLst>
+              <a:ext uri="{FF2B5EF4-FFF2-40B4-BE49-F238E27FC236}">
+                <a16:creationId xmlns:a16="http://schemas.microsoft.com/office/drawing/2014/main" id="{2439C870-5C5D-4626-8B29-3409FF743AA6}"/>
+              </a:ext>
+            </a:extLst>
+          </p:cNvPr>
+          <p:cNvSpPr txBox="1"/>
+          <p:nvPr/>
+        </p:nvSpPr>
+        <p:spPr>
+          <a:xfrm flipH="1">
+            <a:off x="452144" y="2211167"/>
+            <a:ext cx="1500848" cy="369332"/>
+          </a:xfrm>
+          <a:prstGeom prst="rect">
+            <a:avLst/>
+          </a:prstGeom>
+        </p:spPr>
+        <p:style>
+          <a:lnRef idx="0">
+            <a:schemeClr val="accent2"/>
+          </a:lnRef>
+          <a:fillRef idx="3">
+            <a:schemeClr val="accent2"/>
+          </a:fillRef>
+          <a:effectRef idx="3">
+            <a:schemeClr val="accent2"/>
+          </a:effectRef>
+          <a:fontRef idx="minor">
+            <a:schemeClr val="lt1"/>
+          </a:fontRef>
+        </p:style>
+        <p:txBody>
+          <a:bodyPr wrap="square" rtlCol="0">
+            <a:spAutoFit/>
+          </a:bodyPr>
+          <a:lstStyle/>
+          <a:p>
+            <a:pPr algn="ctr"/>
+            <a:r>
+              <a:rPr lang="en-US" dirty="0"/>
+              <a:t>address 0</a:t>
+            </a:r>
+          </a:p>
+        </p:txBody>
+      </p:sp>
+      <p:sp>
+        <p:nvSpPr>
+          <p:cNvPr id="19" name="TextBox 18">
+            <a:extLst>
+              <a:ext uri="{FF2B5EF4-FFF2-40B4-BE49-F238E27FC236}">
+                <a16:creationId xmlns:a16="http://schemas.microsoft.com/office/drawing/2014/main" id="{1EEE4BBE-1724-44E9-802C-F15B0608191F}"/>
+              </a:ext>
+            </a:extLst>
+          </p:cNvPr>
+          <p:cNvSpPr txBox="1"/>
+          <p:nvPr/>
+        </p:nvSpPr>
+        <p:spPr>
+          <a:xfrm flipH="1">
+            <a:off x="3102478" y="2211167"/>
+            <a:ext cx="1500848" cy="369332"/>
+          </a:xfrm>
+          <a:prstGeom prst="rect">
+            <a:avLst/>
+          </a:prstGeom>
+        </p:spPr>
+        <p:style>
+          <a:lnRef idx="0">
+            <a:schemeClr val="accent2"/>
+          </a:lnRef>
+          <a:fillRef idx="3">
+            <a:schemeClr val="accent2"/>
+          </a:fillRef>
+          <a:effectRef idx="3">
+            <a:schemeClr val="accent2"/>
+          </a:effectRef>
+          <a:fontRef idx="minor">
+            <a:schemeClr val="lt1"/>
+          </a:fontRef>
+        </p:style>
+        <p:txBody>
+          <a:bodyPr wrap="square" rtlCol="0">
+            <a:spAutoFit/>
+          </a:bodyPr>
+          <a:lstStyle/>
+          <a:p>
+            <a:pPr algn="ctr"/>
+            <a:r>
+              <a:rPr lang="en-US" dirty="0"/>
+              <a:t>address 1</a:t>
+            </a:r>
+          </a:p>
+        </p:txBody>
+      </p:sp>
+      <p:sp>
+        <p:nvSpPr>
+          <p:cNvPr id="20" name="TextBox 19">
+            <a:extLst>
+              <a:ext uri="{FF2B5EF4-FFF2-40B4-BE49-F238E27FC236}">
+                <a16:creationId xmlns:a16="http://schemas.microsoft.com/office/drawing/2014/main" id="{0F6EE1F2-6821-4793-AE02-8F46DCE5C03D}"/>
+              </a:ext>
+            </a:extLst>
+          </p:cNvPr>
+          <p:cNvSpPr txBox="1"/>
+          <p:nvPr/>
+        </p:nvSpPr>
+        <p:spPr>
+          <a:xfrm flipH="1">
+            <a:off x="6760766" y="2211167"/>
+            <a:ext cx="1500848" cy="369332"/>
+          </a:xfrm>
+          <a:prstGeom prst="rect">
+            <a:avLst/>
+          </a:prstGeom>
+        </p:spPr>
+        <p:style>
+          <a:lnRef idx="0">
+            <a:schemeClr val="accent2"/>
+          </a:lnRef>
+          <a:fillRef idx="3">
+            <a:schemeClr val="accent2"/>
+          </a:fillRef>
+          <a:effectRef idx="3">
+            <a:schemeClr val="accent2"/>
+          </a:effectRef>
+          <a:fontRef idx="minor">
+            <a:schemeClr val="lt1"/>
+          </a:fontRef>
+        </p:style>
+        <p:txBody>
+          <a:bodyPr wrap="square" rtlCol="0">
+            <a:spAutoFit/>
+          </a:bodyPr>
+          <a:lstStyle/>
+          <a:p>
+            <a:pPr algn="ctr"/>
+            <a:r>
+              <a:rPr lang="en-US" dirty="0"/>
+              <a:t>address 0</a:t>
+            </a:r>
+          </a:p>
+        </p:txBody>
+      </p:sp>
+      <p:sp>
+        <p:nvSpPr>
+          <p:cNvPr id="24" name="TextBox 23">
+            <a:extLst>
+              <a:ext uri="{FF2B5EF4-FFF2-40B4-BE49-F238E27FC236}">
+                <a16:creationId xmlns:a16="http://schemas.microsoft.com/office/drawing/2014/main" id="{81ADE66B-A1B8-42F5-BD8F-2CAFF616F067}"/>
+              </a:ext>
+            </a:extLst>
+          </p:cNvPr>
+          <p:cNvSpPr txBox="1"/>
+          <p:nvPr/>
+        </p:nvSpPr>
+        <p:spPr>
+          <a:xfrm flipH="1">
+            <a:off x="10019993" y="2211167"/>
+            <a:ext cx="1500848" cy="369332"/>
+          </a:xfrm>
+          <a:prstGeom prst="rect">
+            <a:avLst/>
+          </a:prstGeom>
+        </p:spPr>
+        <p:style>
+          <a:lnRef idx="0">
+            <a:schemeClr val="accent2"/>
+          </a:lnRef>
+          <a:fillRef idx="3">
+            <a:schemeClr val="accent2"/>
+          </a:fillRef>
+          <a:effectRef idx="3">
+            <a:schemeClr val="accent2"/>
+          </a:effectRef>
+          <a:fontRef idx="minor">
+            <a:schemeClr val="lt1"/>
+          </a:fontRef>
+        </p:style>
+        <p:txBody>
+          <a:bodyPr wrap="square" rtlCol="0">
+            <a:spAutoFit/>
+          </a:bodyPr>
+          <a:lstStyle/>
+          <a:p>
+            <a:pPr algn="ctr"/>
+            <a:r>
+              <a:rPr lang="en-US" dirty="0"/>
+              <a:t>address 3</a:t>
+            </a:r>
+          </a:p>
+        </p:txBody>
+      </p:sp>
+      <p:sp>
+        <p:nvSpPr>
+          <p:cNvPr id="23" name="TextBox 22">
+            <a:extLst>
+              <a:ext uri="{FF2B5EF4-FFF2-40B4-BE49-F238E27FC236}">
+                <a16:creationId xmlns:a16="http://schemas.microsoft.com/office/drawing/2014/main" id="{0F8395D6-AC1D-4CA8-97AF-DE6F53E80239}"/>
+              </a:ext>
+            </a:extLst>
+          </p:cNvPr>
+          <p:cNvSpPr txBox="1"/>
+          <p:nvPr/>
+        </p:nvSpPr>
+        <p:spPr>
+          <a:xfrm flipH="1">
+            <a:off x="7792268" y="3059668"/>
+            <a:ext cx="1500848" cy="369332"/>
+          </a:xfrm>
+          <a:prstGeom prst="rect">
+            <a:avLst/>
+          </a:prstGeom>
+        </p:spPr>
+        <p:style>
+          <a:lnRef idx="0">
+            <a:schemeClr val="accent2"/>
+          </a:lnRef>
+          <a:fillRef idx="3">
+            <a:schemeClr val="accent2"/>
+          </a:fillRef>
+          <a:effectRef idx="3">
+            <a:schemeClr val="accent2"/>
+          </a:effectRef>
+          <a:fontRef idx="minor">
+            <a:schemeClr val="lt1"/>
+          </a:fontRef>
+        </p:style>
+        <p:txBody>
+          <a:bodyPr wrap="square" rtlCol="0">
+            <a:spAutoFit/>
+          </a:bodyPr>
+          <a:lstStyle/>
+          <a:p>
+            <a:pPr algn="ctr"/>
+            <a:r>
+              <a:rPr lang="en-US" dirty="0"/>
+              <a:t>address 2</a:t>
+            </a:r>
+          </a:p>
+        </p:txBody>
+      </p:sp>
+      <p:sp>
+        <p:nvSpPr>
+          <p:cNvPr id="22" name="TextBox 21">
+            <a:extLst>
+              <a:ext uri="{FF2B5EF4-FFF2-40B4-BE49-F238E27FC236}">
+                <a16:creationId xmlns:a16="http://schemas.microsoft.com/office/drawing/2014/main" id="{AF0E0774-11EE-485C-909A-ECBD2130AC5E}"/>
+              </a:ext>
+            </a:extLst>
+          </p:cNvPr>
+          <p:cNvSpPr txBox="1"/>
+          <p:nvPr/>
+        </p:nvSpPr>
+        <p:spPr>
+          <a:xfrm flipH="1">
+            <a:off x="5850963" y="3059668"/>
+            <a:ext cx="1500848" cy="369332"/>
+          </a:xfrm>
+          <a:prstGeom prst="rect">
+            <a:avLst/>
+          </a:prstGeom>
+        </p:spPr>
+        <p:style>
+          <a:lnRef idx="0">
+            <a:schemeClr val="accent2"/>
+          </a:lnRef>
+          <a:fillRef idx="3">
+            <a:schemeClr val="accent2"/>
+          </a:fillRef>
+          <a:effectRef idx="3">
+            <a:schemeClr val="accent2"/>
+          </a:effectRef>
+          <a:fontRef idx="minor">
+            <a:schemeClr val="lt1"/>
+          </a:fontRef>
+        </p:style>
+        <p:txBody>
+          <a:bodyPr wrap="square" rtlCol="0">
+            <a:spAutoFit/>
+          </a:bodyPr>
+          <a:lstStyle/>
+          <a:p>
+            <a:pPr algn="ctr"/>
+            <a:r>
+              <a:rPr lang="en-US" dirty="0"/>
+              <a:t>address 1</a:t>
+            </a:r>
+          </a:p>
+        </p:txBody>
+      </p:sp>
+      <p:cxnSp>
+        <p:nvCxnSpPr>
+          <p:cNvPr id="47" name="Straight Arrow Connector 46">
+            <a:extLst>
+              <a:ext uri="{FF2B5EF4-FFF2-40B4-BE49-F238E27FC236}">
+                <a16:creationId xmlns:a16="http://schemas.microsoft.com/office/drawing/2014/main" id="{174E9FFC-7CBA-4122-8C09-2A45845C405D}"/>
+              </a:ext>
+            </a:extLst>
+          </p:cNvPr>
+          <p:cNvCxnSpPr>
+            <a:cxnSpLocks/>
+            <a:stCxn id="18" idx="0"/>
+            <a:endCxn id="9" idx="2"/>
+          </p:cNvCxnSpPr>
+          <p:nvPr/>
+        </p:nvCxnSpPr>
+        <p:spPr>
+          <a:xfrm flipH="1" flipV="1">
+            <a:off x="5842934" y="927186"/>
+            <a:ext cx="3468022" cy="400861"/>
+          </a:xfrm>
+          <a:prstGeom prst="straightConnector1">
+            <a:avLst/>
+          </a:prstGeom>
+          <a:ln w="28575">
+            <a:prstDash val="dash"/>
+            <a:tailEnd type="triangle"/>
+          </a:ln>
+          <a:effectLst>
+            <a:outerShdw blurRad="50800" dist="38100" dir="2700000" algn="tl" rotWithShape="0">
+              <a:prstClr val="black">
+                <a:alpha val="40000"/>
+              </a:prstClr>
+            </a:outerShdw>
+          </a:effectLst>
+        </p:spPr>
+        <p:style>
+          <a:lnRef idx="3">
+            <a:schemeClr val="accent6"/>
+          </a:lnRef>
+          <a:fillRef idx="0">
+            <a:schemeClr val="accent6"/>
+          </a:fillRef>
+          <a:effectRef idx="2">
+            <a:schemeClr val="accent6"/>
+          </a:effectRef>
+          <a:fontRef idx="minor">
+            <a:schemeClr val="tx1"/>
+          </a:fontRef>
+        </p:style>
+      </p:cxnSp>
+      <p:sp>
+        <p:nvSpPr>
+          <p:cNvPr id="9" name="TextBox 8">
+            <a:extLst>
+              <a:ext uri="{FF2B5EF4-FFF2-40B4-BE49-F238E27FC236}">
+                <a16:creationId xmlns:a16="http://schemas.microsoft.com/office/drawing/2014/main" id="{760662B0-FCF2-4FB4-B550-BCEDCABA7A97}"/>
+              </a:ext>
+            </a:extLst>
+          </p:cNvPr>
+          <p:cNvSpPr txBox="1"/>
+          <p:nvPr/>
+        </p:nvSpPr>
+        <p:spPr>
+          <a:xfrm>
+            <a:off x="4767769" y="557854"/>
+            <a:ext cx="2150330" cy="369332"/>
+          </a:xfrm>
+          <a:prstGeom prst="rect">
+            <a:avLst/>
+          </a:prstGeom>
+        </p:spPr>
+        <p:style>
+          <a:lnRef idx="0">
+            <a:schemeClr val="accent5"/>
+          </a:lnRef>
+          <a:fillRef idx="3">
+            <a:schemeClr val="accent5"/>
+          </a:fillRef>
+          <a:effectRef idx="3">
+            <a:schemeClr val="accent5"/>
+          </a:effectRef>
+          <a:fontRef idx="minor">
+            <a:schemeClr val="lt1"/>
+          </a:fontRef>
+        </p:style>
+        <p:txBody>
+          <a:bodyPr wrap="square" rtlCol="0">
+            <a:spAutoFit/>
+          </a:bodyPr>
+          <a:lstStyle/>
+          <a:p>
+            <a:pPr algn="ctr"/>
+            <a:r>
+              <a:rPr lang="en-US" b="1" dirty="0"/>
+              <a:t>root (seed)</a:t>
+            </a:r>
+            <a:endParaRPr lang="en-US" dirty="0"/>
+          </a:p>
+        </p:txBody>
+      </p:sp>
+    </p:spTree>
+    <p:extLst>
+      <p:ext uri="{BB962C8B-B14F-4D97-AF65-F5344CB8AC3E}">
+        <p14:creationId xmlns:p14="http://schemas.microsoft.com/office/powerpoint/2010/main" val="2631253672"/>
+      </p:ext>
+    </p:extLst>
+  </p:cSld>
+  <p:clrMapOvr>
+    <a:masterClrMapping/>
+  </p:clrMapOvr>
+</p:sld>
+</file>
+
 <file path=ppt/theme/theme1.xml><?xml version="1.0" encoding="utf-8"?>
 <a:theme xmlns:a="http://schemas.openxmlformats.org/drawingml/2006/main" name="Office Theme">
   <a:themeElements>

--- a/docs/charts.pptx
+++ b/docs/charts.pptx
@@ -260,7 +260,7 @@
           <a:p>
             <a:fld id="{58537782-5515-4277-8890-BE805010C87F}" type="datetimeFigureOut">
               <a:rPr lang="en-US" smtClean="0"/>
-              <a:t>3/4/2021</a:t>
+              <a:t>3/7/2021</a:t>
             </a:fld>
             <a:endParaRPr lang="en-US"/>
           </a:p>
@@ -458,7 +458,7 @@
           <a:p>
             <a:fld id="{58537782-5515-4277-8890-BE805010C87F}" type="datetimeFigureOut">
               <a:rPr lang="en-US" smtClean="0"/>
-              <a:t>3/4/2021</a:t>
+              <a:t>3/7/2021</a:t>
             </a:fld>
             <a:endParaRPr lang="en-US"/>
           </a:p>
@@ -666,7 +666,7 @@
           <a:p>
             <a:fld id="{58537782-5515-4277-8890-BE805010C87F}" type="datetimeFigureOut">
               <a:rPr lang="en-US" smtClean="0"/>
-              <a:t>3/4/2021</a:t>
+              <a:t>3/7/2021</a:t>
             </a:fld>
             <a:endParaRPr lang="en-US"/>
           </a:p>
@@ -864,7 +864,7 @@
           <a:p>
             <a:fld id="{58537782-5515-4277-8890-BE805010C87F}" type="datetimeFigureOut">
               <a:rPr lang="en-US" smtClean="0"/>
-              <a:t>3/4/2021</a:t>
+              <a:t>3/7/2021</a:t>
             </a:fld>
             <a:endParaRPr lang="en-US"/>
           </a:p>
@@ -1139,7 +1139,7 @@
           <a:p>
             <a:fld id="{58537782-5515-4277-8890-BE805010C87F}" type="datetimeFigureOut">
               <a:rPr lang="en-US" smtClean="0"/>
-              <a:t>3/4/2021</a:t>
+              <a:t>3/7/2021</a:t>
             </a:fld>
             <a:endParaRPr lang="en-US"/>
           </a:p>
@@ -1404,7 +1404,7 @@
           <a:p>
             <a:fld id="{58537782-5515-4277-8890-BE805010C87F}" type="datetimeFigureOut">
               <a:rPr lang="en-US" smtClean="0"/>
-              <a:t>3/4/2021</a:t>
+              <a:t>3/7/2021</a:t>
             </a:fld>
             <a:endParaRPr lang="en-US"/>
           </a:p>
@@ -1816,7 +1816,7 @@
           <a:p>
             <a:fld id="{58537782-5515-4277-8890-BE805010C87F}" type="datetimeFigureOut">
               <a:rPr lang="en-US" smtClean="0"/>
-              <a:t>3/4/2021</a:t>
+              <a:t>3/7/2021</a:t>
             </a:fld>
             <a:endParaRPr lang="en-US"/>
           </a:p>
@@ -1957,7 +1957,7 @@
           <a:p>
             <a:fld id="{58537782-5515-4277-8890-BE805010C87F}" type="datetimeFigureOut">
               <a:rPr lang="en-US" smtClean="0"/>
-              <a:t>3/4/2021</a:t>
+              <a:t>3/7/2021</a:t>
             </a:fld>
             <a:endParaRPr lang="en-US"/>
           </a:p>
@@ -2070,7 +2070,7 @@
           <a:p>
             <a:fld id="{58537782-5515-4277-8890-BE805010C87F}" type="datetimeFigureOut">
               <a:rPr lang="en-US" smtClean="0"/>
-              <a:t>3/4/2021</a:t>
+              <a:t>3/7/2021</a:t>
             </a:fld>
             <a:endParaRPr lang="en-US"/>
           </a:p>
@@ -2381,7 +2381,7 @@
           <a:p>
             <a:fld id="{58537782-5515-4277-8890-BE805010C87F}" type="datetimeFigureOut">
               <a:rPr lang="en-US" smtClean="0"/>
-              <a:t>3/4/2021</a:t>
+              <a:t>3/7/2021</a:t>
             </a:fld>
             <a:endParaRPr lang="en-US"/>
           </a:p>
@@ -2669,7 +2669,7 @@
           <a:p>
             <a:fld id="{58537782-5515-4277-8890-BE805010C87F}" type="datetimeFigureOut">
               <a:rPr lang="en-US" smtClean="0"/>
-              <a:t>3/4/2021</a:t>
+              <a:t>3/7/2021</a:t>
             </a:fld>
             <a:endParaRPr lang="en-US"/>
           </a:p>
@@ -2910,7 +2910,7 @@
           <a:p>
             <a:fld id="{58537782-5515-4277-8890-BE805010C87F}" type="datetimeFigureOut">
               <a:rPr lang="en-US" smtClean="0"/>
-              <a:t>3/4/2021</a:t>
+              <a:t>3/7/2021</a:t>
             </a:fld>
             <a:endParaRPr lang="en-US"/>
           </a:p>
@@ -3342,7 +3342,7 @@
         <p:spPr>
           <a:xfrm>
             <a:off x="2432809" y="4087324"/>
-            <a:ext cx="6736361" cy="369332"/>
+            <a:ext cx="8724549" cy="369332"/>
           </a:xfrm>
           <a:prstGeom prst="rect">
             <a:avLst/>
@@ -3391,7 +3391,7 @@
         <p:spPr>
           <a:xfrm>
             <a:off x="2432809" y="4970590"/>
-            <a:ext cx="6736361" cy="369332"/>
+            <a:ext cx="8724549" cy="369332"/>
           </a:xfrm>
           <a:prstGeom prst="rect">
             <a:avLst/>
@@ -3456,7 +3456,7 @@
         <p:spPr>
           <a:xfrm>
             <a:off x="2432810" y="3210695"/>
-            <a:ext cx="6736361" cy="369332"/>
+            <a:ext cx="8724548" cy="369332"/>
           </a:xfrm>
           <a:prstGeom prst="rect">
             <a:avLst/>
@@ -3509,7 +3509,7 @@
         <p:spPr>
           <a:xfrm>
             <a:off x="2432810" y="2298824"/>
-            <a:ext cx="3993161" cy="646331"/>
+            <a:ext cx="4379051" cy="646331"/>
           </a:xfrm>
           <a:prstGeom prst="rect">
             <a:avLst/>
@@ -3564,8 +3564,8 @@
         </p:nvSpPr>
         <p:spPr>
           <a:xfrm>
-            <a:off x="6644083" y="2298826"/>
-            <a:ext cx="2525084" cy="646331"/>
+            <a:off x="7227943" y="2281312"/>
+            <a:ext cx="3929415" cy="646331"/>
           </a:xfrm>
           <a:prstGeom prst="rect">
             <a:avLst/>
@@ -3629,7 +3629,7 @@
         <p:spPr>
           <a:xfrm>
             <a:off x="2432810" y="1663952"/>
-            <a:ext cx="6736361" cy="369332"/>
+            <a:ext cx="8724548" cy="369332"/>
           </a:xfrm>
           <a:prstGeom prst="rect">
             <a:avLst/>
@@ -3682,7 +3682,7 @@
         <p:spPr>
           <a:xfrm>
             <a:off x="2432810" y="1029078"/>
-            <a:ext cx="2256639" cy="369332"/>
+            <a:ext cx="3355597" cy="369332"/>
           </a:xfrm>
           <a:prstGeom prst="rect">
             <a:avLst/>
@@ -3734,8 +3734,8 @@
         </p:nvSpPr>
         <p:spPr>
           <a:xfrm>
-            <a:off x="6912531" y="1029078"/>
-            <a:ext cx="2256639" cy="369332"/>
+            <a:off x="7801761" y="1029078"/>
+            <a:ext cx="3355597" cy="369332"/>
           </a:xfrm>
           <a:prstGeom prst="rect">
             <a:avLst/>
@@ -3788,7 +3788,7 @@
         <p:spPr>
           <a:xfrm>
             <a:off x="2432809" y="5657359"/>
-            <a:ext cx="2525083" cy="369332"/>
+            <a:ext cx="3929415" cy="369332"/>
           </a:xfrm>
           <a:prstGeom prst="rect">
             <a:avLst/>
@@ -3843,8 +3843,8 @@
         </p:nvSpPr>
         <p:spPr>
           <a:xfrm>
-            <a:off x="6644084" y="5657359"/>
-            <a:ext cx="2525084" cy="369332"/>
+            <a:off x="7227943" y="5657359"/>
+            <a:ext cx="3929415" cy="369332"/>
           </a:xfrm>
           <a:prstGeom prst="rect">
             <a:avLst/>
@@ -3900,7 +3900,7 @@
         <p:spPr>
           <a:xfrm>
             <a:off x="2016728" y="4757442"/>
-            <a:ext cx="7471227" cy="1465746"/>
+            <a:ext cx="9602024" cy="1465746"/>
           </a:xfrm>
           <a:prstGeom prst="rect">
             <a:avLst/>
@@ -3953,8 +3953,8 @@
         </p:nvSpPr>
         <p:spPr>
           <a:xfrm rot="16200000">
-            <a:off x="1075810" y="5321033"/>
-            <a:ext cx="1465746" cy="338554"/>
+            <a:off x="1037816" y="5305649"/>
+            <a:ext cx="1465746" cy="369332"/>
           </a:xfrm>
           <a:prstGeom prst="rect">
             <a:avLst/>
@@ -3990,7 +3990,7 @@
           <a:p>
             <a:pPr algn="ctr"/>
             <a:r>
-              <a:rPr lang="en-US" sz="1600" dirty="0"/>
+              <a:rPr lang="en-US" dirty="0"/>
               <a:t>iota network</a:t>
             </a:r>
           </a:p>
@@ -4011,7 +4011,7 @@
         <p:spPr>
           <a:xfrm>
             <a:off x="2016728" y="781050"/>
-            <a:ext cx="7519877" cy="3005938"/>
+            <a:ext cx="9602024" cy="3005938"/>
           </a:xfrm>
           <a:prstGeom prst="rect">
             <a:avLst/>
@@ -4064,8 +4064,8 @@
         </p:nvSpPr>
         <p:spPr>
           <a:xfrm rot="16200000">
-            <a:off x="305713" y="2114741"/>
-            <a:ext cx="3005938" cy="338554"/>
+            <a:off x="283110" y="2096646"/>
+            <a:ext cx="3005938" cy="369332"/>
           </a:xfrm>
           <a:prstGeom prst="rect">
             <a:avLst/>
@@ -4101,7 +4101,7 @@
           <a:p>
             <a:pPr algn="ctr"/>
             <a:r>
-              <a:rPr lang="en-US" sz="1600" dirty="0"/>
+              <a:rPr lang="en-US" dirty="0"/>
               <a:t>application</a:t>
             </a:r>
           </a:p>
